--- a/assignment-1/ATAX Problem Optimization.pptx
+++ b/assignment-1/ATAX Problem Optimization.pptx
@@ -7,13 +7,14 @@
   <p:sldIdLst>
     <p:sldId id="256" r:id="rId5"/>
     <p:sldId id="257" r:id="rId6"/>
-    <p:sldId id="259" r:id="rId7"/>
-    <p:sldId id="260" r:id="rId8"/>
+    <p:sldId id="260" r:id="rId7"/>
+    <p:sldId id="259" r:id="rId8"/>
     <p:sldId id="258" r:id="rId9"/>
     <p:sldId id="261" r:id="rId10"/>
     <p:sldId id="264" r:id="rId11"/>
     <p:sldId id="263" r:id="rId12"/>
-    <p:sldId id="262" r:id="rId13"/>
+    <p:sldId id="266" r:id="rId13"/>
+    <p:sldId id="262" r:id="rId14"/>
   </p:sldIdLst>
   <p:sldSz cx="12192000" cy="6858000"/>
   <p:notesSz cx="6858000" cy="9144000"/>
@@ -283,7 +284,7 @@
             <a:fld id="{3F9AFA87-1417-4992-ABD9-27C3BC8CC883}" type="datetimeFigureOut">
               <a:rPr lang="en-US" smtClean="0"/>
               <a:pPr algn="r"/>
-              <a:t>11/16/2024</a:t>
+              <a:t>11/17/2024</a:t>
             </a:fld>
             <a:endParaRPr lang="en-US" dirty="0"/>
           </a:p>
@@ -484,7 +485,7 @@
           <a:p>
             <a:fld id="{3F9AFA87-1417-4992-ABD9-27C3BC8CC883}" type="datetimeFigureOut">
               <a:rPr lang="en-US" smtClean="0"/>
-              <a:t>11/16/2024</a:t>
+              <a:t>11/17/2024</a:t>
             </a:fld>
             <a:endParaRPr lang="en-US"/>
           </a:p>
@@ -694,7 +695,7 @@
           <a:p>
             <a:fld id="{3F9AFA87-1417-4992-ABD9-27C3BC8CC883}" type="datetimeFigureOut">
               <a:rPr lang="en-US" smtClean="0"/>
-              <a:t>11/16/2024</a:t>
+              <a:t>11/17/2024</a:t>
             </a:fld>
             <a:endParaRPr lang="en-US"/>
           </a:p>
@@ -892,7 +893,7 @@
           <a:p>
             <a:fld id="{3F9AFA87-1417-4992-ABD9-27C3BC8CC883}" type="datetimeFigureOut">
               <a:rPr lang="en-US" smtClean="0"/>
-              <a:t>11/16/2024</a:t>
+              <a:t>11/17/2024</a:t>
             </a:fld>
             <a:endParaRPr lang="en-US"/>
           </a:p>
@@ -1166,7 +1167,7 @@
           <a:p>
             <a:fld id="{3F9AFA87-1417-4992-ABD9-27C3BC8CC883}" type="datetimeFigureOut">
               <a:rPr lang="en-US" smtClean="0"/>
-              <a:t>11/16/2024</a:t>
+              <a:t>11/17/2024</a:t>
             </a:fld>
             <a:endParaRPr lang="en-US"/>
           </a:p>
@@ -1431,7 +1432,7 @@
           <a:p>
             <a:fld id="{3F9AFA87-1417-4992-ABD9-27C3BC8CC883}" type="datetimeFigureOut">
               <a:rPr lang="en-US" smtClean="0"/>
-              <a:t>11/16/2024</a:t>
+              <a:t>11/17/2024</a:t>
             </a:fld>
             <a:endParaRPr lang="en-US" dirty="0"/>
           </a:p>
@@ -1818,7 +1819,7 @@
           <a:p>
             <a:fld id="{3F9AFA87-1417-4992-ABD9-27C3BC8CC883}" type="datetimeFigureOut">
               <a:rPr lang="en-US" smtClean="0"/>
-              <a:t>11/16/2024</a:t>
+              <a:t>11/17/2024</a:t>
             </a:fld>
             <a:endParaRPr lang="en-US"/>
           </a:p>
@@ -1988,7 +1989,7 @@
           <a:p>
             <a:fld id="{3F9AFA87-1417-4992-ABD9-27C3BC8CC883}" type="datetimeFigureOut">
               <a:rPr lang="en-US" smtClean="0"/>
-              <a:t>11/16/2024</a:t>
+              <a:t>11/17/2024</a:t>
             </a:fld>
             <a:endParaRPr lang="en-US"/>
           </a:p>
@@ -2101,7 +2102,7 @@
           <a:p>
             <a:fld id="{3F9AFA87-1417-4992-ABD9-27C3BC8CC883}" type="datetimeFigureOut">
               <a:rPr lang="en-US" smtClean="0"/>
-              <a:t>11/16/2024</a:t>
+              <a:t>11/17/2024</a:t>
             </a:fld>
             <a:endParaRPr lang="en-US"/>
           </a:p>
@@ -2421,7 +2422,7 @@
           <a:p>
             <a:fld id="{3F9AFA87-1417-4992-ABD9-27C3BC8CC883}" type="datetimeFigureOut">
               <a:rPr lang="en-US" smtClean="0"/>
-              <a:t>11/16/2024</a:t>
+              <a:t>11/17/2024</a:t>
             </a:fld>
             <a:endParaRPr lang="en-US"/>
           </a:p>
@@ -2726,7 +2727,7 @@
           <a:p>
             <a:fld id="{3F9AFA87-1417-4992-ABD9-27C3BC8CC883}" type="datetimeFigureOut">
               <a:rPr lang="en-US" smtClean="0"/>
-              <a:t>11/16/2024</a:t>
+              <a:t>11/17/2024</a:t>
             </a:fld>
             <a:endParaRPr lang="en-US"/>
           </a:p>
@@ -2969,7 +2970,7 @@
             <a:fld id="{3F9AFA87-1417-4992-ABD9-27C3BC8CC883}" type="datetimeFigureOut">
               <a:rPr lang="en-US" smtClean="0"/>
               <a:pPr algn="r"/>
-              <a:t>11/16/2024</a:t>
+              <a:t>11/17/2024</a:t>
             </a:fld>
             <a:endParaRPr lang="en-US" dirty="0"/>
           </a:p>
@@ -3973,6 +3974,359 @@
 </p:sld>
 </file>
 
+<file path=ppt/slides/slide10.xml><?xml version="1.0" encoding="utf-8"?>
+<p:sld xmlns:a="http://schemas.openxmlformats.org/drawingml/2006/main" xmlns:r="http://schemas.openxmlformats.org/officeDocument/2006/relationships" xmlns:p="http://schemas.openxmlformats.org/presentationml/2006/main">
+  <p:cSld>
+    <p:bg>
+      <p:bgPr>
+        <a:solidFill>
+          <a:schemeClr val="bg1"/>
+        </a:solidFill>
+        <a:effectLst/>
+      </p:bgPr>
+    </p:bg>
+    <p:spTree>
+      <p:nvGrpSpPr>
+        <p:cNvPr id="1" name=""/>
+        <p:cNvGrpSpPr/>
+        <p:nvPr/>
+      </p:nvGrpSpPr>
+      <p:grpSpPr>
+        <a:xfrm>
+          <a:off x="0" y="0"/>
+          <a:ext cx="0" cy="0"/>
+          <a:chOff x="0" y="0"/>
+          <a:chExt cx="0" cy="0"/>
+        </a:xfrm>
+      </p:grpSpPr>
+      <p:sp useBgFill="1">
+        <p:nvSpPr>
+          <p:cNvPr id="14" name="Rectangle 7">
+            <a:extLst>
+              <a:ext uri="{FF2B5EF4-FFF2-40B4-BE49-F238E27FC236}">
+                <a16:creationId xmlns:a16="http://schemas.microsoft.com/office/drawing/2014/main" id="{D160B463-41E9-4323-AE6D-30E67F2C7227}"/>
+              </a:ext>
+              <a:ext uri="{C183D7F6-B498-43B3-948B-1728B52AA6E4}">
+                <adec:decorative xmlns:adec="http://schemas.microsoft.com/office/drawing/2017/decorative" val="1"/>
+              </a:ext>
+            </a:extLst>
+          </p:cNvPr>
+          <p:cNvSpPr>
+            <a:spLocks noGrp="1" noRot="1" noChangeAspect="1" noMove="1" noResize="1" noEditPoints="1" noAdjustHandles="1" noChangeArrowheads="1" noChangeShapeType="1" noTextEdit="1"/>
+          </p:cNvSpPr>
+          <p:nvPr>
+            <p:extLst>
+              <p:ext uri="{386F3935-93C4-4BCD-93E2-E3B085C9AB24}">
+                <p16:designElem xmlns:p16="http://schemas.microsoft.com/office/powerpoint/2015/main" val="1"/>
+              </p:ext>
+            </p:extLst>
+          </p:nvPr>
+        </p:nvSpPr>
+        <p:spPr>
+          <a:xfrm>
+            <a:off x="0" y="0"/>
+            <a:ext cx="12192000" cy="6858000"/>
+          </a:xfrm>
+          <a:prstGeom prst="rect">
+            <a:avLst/>
+          </a:prstGeom>
+          <a:ln>
+            <a:noFill/>
+          </a:ln>
+        </p:spPr>
+        <p:style>
+          <a:lnRef idx="2">
+            <a:schemeClr val="accent1">
+              <a:shade val="50000"/>
+            </a:schemeClr>
+          </a:lnRef>
+          <a:fillRef idx="1">
+            <a:schemeClr val="accent1"/>
+          </a:fillRef>
+          <a:effectRef idx="0">
+            <a:schemeClr val="accent1"/>
+          </a:effectRef>
+          <a:fontRef idx="minor">
+            <a:schemeClr val="lt1"/>
+          </a:fontRef>
+        </p:style>
+        <p:txBody>
+          <a:bodyPr rtlCol="0" anchor="ctr"/>
+          <a:lstStyle/>
+          <a:p>
+            <a:pPr algn="ctr"/>
+            <a:endParaRPr lang="en-US"/>
+          </a:p>
+        </p:txBody>
+      </p:sp>
+      <p:sp>
+        <p:nvSpPr>
+          <p:cNvPr id="15" name="Rectangle 9">
+            <a:extLst>
+              <a:ext uri="{FF2B5EF4-FFF2-40B4-BE49-F238E27FC236}">
+                <a16:creationId xmlns:a16="http://schemas.microsoft.com/office/drawing/2014/main" id="{188A358F-F8B2-4FD2-99F3-7CA83358500E}"/>
+              </a:ext>
+              <a:ext uri="{C183D7F6-B498-43B3-948B-1728B52AA6E4}">
+                <adec:decorative xmlns:adec="http://schemas.microsoft.com/office/drawing/2017/decorative" val="1"/>
+              </a:ext>
+            </a:extLst>
+          </p:cNvPr>
+          <p:cNvSpPr>
+            <a:spLocks noGrp="1" noRot="1" noChangeAspect="1" noMove="1" noResize="1" noEditPoints="1" noAdjustHandles="1" noChangeArrowheads="1" noChangeShapeType="1" noTextEdit="1"/>
+          </p:cNvSpPr>
+          <p:nvPr>
+            <p:extLst>
+              <p:ext uri="{386F3935-93C4-4BCD-93E2-E3B085C9AB24}">
+                <p16:designElem xmlns:p16="http://schemas.microsoft.com/office/powerpoint/2015/main" val="1"/>
+              </p:ext>
+            </p:extLst>
+          </p:nvPr>
+        </p:nvSpPr>
+        <p:spPr>
+          <a:xfrm>
+            <a:off x="0" y="0"/>
+            <a:ext cx="12192000" cy="6858000"/>
+          </a:xfrm>
+          <a:prstGeom prst="rect">
+            <a:avLst/>
+          </a:prstGeom>
+          <a:gradFill flip="none" rotWithShape="1">
+            <a:gsLst>
+              <a:gs pos="10000">
+                <a:schemeClr val="accent5"/>
+              </a:gs>
+              <a:gs pos="90000">
+                <a:schemeClr val="accent1"/>
+              </a:gs>
+              <a:gs pos="70000">
+                <a:schemeClr val="accent2"/>
+              </a:gs>
+              <a:gs pos="30000">
+                <a:schemeClr val="accent4"/>
+              </a:gs>
+              <a:gs pos="50000">
+                <a:schemeClr val="accent3">
+                  <a:lumMod val="60000"/>
+                  <a:lumOff val="40000"/>
+                </a:schemeClr>
+              </a:gs>
+            </a:gsLst>
+            <a:lin ang="7200000" scaled="0"/>
+            <a:tileRect/>
+          </a:gradFill>
+          <a:ln>
+            <a:noFill/>
+          </a:ln>
+        </p:spPr>
+        <p:style>
+          <a:lnRef idx="2">
+            <a:schemeClr val="accent1">
+              <a:shade val="50000"/>
+            </a:schemeClr>
+          </a:lnRef>
+          <a:fillRef idx="1">
+            <a:schemeClr val="accent1"/>
+          </a:fillRef>
+          <a:effectRef idx="0">
+            <a:schemeClr val="accent1"/>
+          </a:effectRef>
+          <a:fontRef idx="minor">
+            <a:schemeClr val="lt1"/>
+          </a:fontRef>
+        </p:style>
+        <p:txBody>
+          <a:bodyPr rtlCol="0" anchor="ctr"/>
+          <a:lstStyle/>
+          <a:p>
+            <a:pPr algn="ctr"/>
+            <a:endParaRPr lang="en-US"/>
+          </a:p>
+        </p:txBody>
+      </p:sp>
+      <p:sp useBgFill="1">
+        <p:nvSpPr>
+          <p:cNvPr id="16" name="Rectangle 11">
+            <a:extLst>
+              <a:ext uri="{FF2B5EF4-FFF2-40B4-BE49-F238E27FC236}">
+                <a16:creationId xmlns:a16="http://schemas.microsoft.com/office/drawing/2014/main" id="{2CCE2735-7843-4DC6-81F5-6366AB3EFF63}"/>
+              </a:ext>
+              <a:ext uri="{C183D7F6-B498-43B3-948B-1728B52AA6E4}">
+                <adec:decorative xmlns:adec="http://schemas.microsoft.com/office/drawing/2017/decorative" val="1"/>
+              </a:ext>
+            </a:extLst>
+          </p:cNvPr>
+          <p:cNvSpPr>
+            <a:spLocks noGrp="1" noRot="1" noChangeAspect="1" noMove="1" noResize="1" noEditPoints="1" noAdjustHandles="1" noChangeArrowheads="1" noChangeShapeType="1" noTextEdit="1"/>
+          </p:cNvSpPr>
+          <p:nvPr>
+            <p:extLst>
+              <p:ext uri="{386F3935-93C4-4BCD-93E2-E3B085C9AB24}">
+                <p16:designElem xmlns:p16="http://schemas.microsoft.com/office/powerpoint/2015/main" val="1"/>
+              </p:ext>
+            </p:extLst>
+          </p:nvPr>
+        </p:nvSpPr>
+        <p:spPr>
+          <a:xfrm>
+            <a:off x="1071372" y="1065276"/>
+            <a:ext cx="10049256" cy="4727448"/>
+          </a:xfrm>
+          <a:prstGeom prst="rect">
+            <a:avLst/>
+          </a:prstGeom>
+          <a:ln>
+            <a:noFill/>
+          </a:ln>
+        </p:spPr>
+        <p:style>
+          <a:lnRef idx="2">
+            <a:schemeClr val="accent1">
+              <a:shade val="50000"/>
+            </a:schemeClr>
+          </a:lnRef>
+          <a:fillRef idx="1">
+            <a:schemeClr val="accent1"/>
+          </a:fillRef>
+          <a:effectRef idx="0">
+            <a:schemeClr val="accent1"/>
+          </a:effectRef>
+          <a:fontRef idx="minor">
+            <a:schemeClr val="lt1"/>
+          </a:fontRef>
+        </p:style>
+        <p:txBody>
+          <a:bodyPr rtlCol="0" anchor="ctr"/>
+          <a:lstStyle/>
+          <a:p>
+            <a:pPr algn="ctr"/>
+            <a:endParaRPr lang="en-US"/>
+          </a:p>
+        </p:txBody>
+      </p:sp>
+      <p:sp>
+        <p:nvSpPr>
+          <p:cNvPr id="2" name="Titolo 1">
+            <a:extLst>
+              <a:ext uri="{FF2B5EF4-FFF2-40B4-BE49-F238E27FC236}">
+                <a16:creationId xmlns:a16="http://schemas.microsoft.com/office/drawing/2014/main" id="{3DAAD523-A9B3-B3A2-D2CF-BEB8EB60642A}"/>
+              </a:ext>
+            </a:extLst>
+          </p:cNvPr>
+          <p:cNvSpPr>
+            <a:spLocks noGrp="1"/>
+          </p:cNvSpPr>
+          <p:nvPr>
+            <p:ph type="title"/>
+          </p:nvPr>
+        </p:nvSpPr>
+        <p:spPr>
+          <a:xfrm>
+            <a:off x="1830324" y="1790175"/>
+            <a:ext cx="8531352" cy="1072843"/>
+          </a:xfrm>
+        </p:spPr>
+        <p:txBody>
+          <a:bodyPr>
+            <a:normAutofit/>
+          </a:bodyPr>
+          <a:lstStyle/>
+          <a:p>
+            <a:r>
+              <a:rPr lang="it-IT" dirty="0" err="1"/>
+              <a:t>Conclusions</a:t>
+            </a:r>
+            <a:r>
+              <a:rPr lang="it-IT" dirty="0"/>
+              <a:t>	</a:t>
+            </a:r>
+          </a:p>
+        </p:txBody>
+      </p:sp>
+      <p:sp>
+        <p:nvSpPr>
+          <p:cNvPr id="3" name="Segnaposto contenuto 2">
+            <a:extLst>
+              <a:ext uri="{FF2B5EF4-FFF2-40B4-BE49-F238E27FC236}">
+                <a16:creationId xmlns:a16="http://schemas.microsoft.com/office/drawing/2014/main" id="{49E0574A-989C-8EAC-BED9-A958E2ED3439}"/>
+              </a:ext>
+            </a:extLst>
+          </p:cNvPr>
+          <p:cNvSpPr>
+            <a:spLocks noGrp="1"/>
+          </p:cNvSpPr>
+          <p:nvPr>
+            <p:ph idx="1"/>
+          </p:nvPr>
+        </p:nvSpPr>
+        <p:spPr>
+          <a:xfrm>
+            <a:off x="1830322" y="2970223"/>
+            <a:ext cx="8531353" cy="2194124"/>
+          </a:xfrm>
+        </p:spPr>
+        <p:txBody>
+          <a:bodyPr>
+            <a:normAutofit/>
+          </a:bodyPr>
+          <a:lstStyle/>
+          <a:p>
+            <a:pPr marL="0" indent="0">
+              <a:buNone/>
+            </a:pPr>
+            <a:r>
+              <a:rPr lang="it-IT" dirty="0" err="1"/>
+              <a:t>Why</a:t>
+            </a:r>
+            <a:r>
+              <a:rPr lang="it-IT" dirty="0"/>
+              <a:t>?</a:t>
+            </a:r>
+          </a:p>
+          <a:p>
+            <a:r>
+              <a:rPr lang="it-IT" dirty="0" err="1"/>
+              <a:t>Parallel</a:t>
+            </a:r>
+            <a:r>
+              <a:rPr lang="it-IT" dirty="0"/>
+              <a:t> For + </a:t>
+            </a:r>
+            <a:r>
+              <a:rPr lang="it-IT" dirty="0" err="1"/>
+              <a:t>Collapse</a:t>
+            </a:r>
+            <a:endParaRPr lang="it-IT" dirty="0"/>
+          </a:p>
+          <a:p>
+            <a:r>
+              <a:rPr lang="it-IT" dirty="0"/>
+              <a:t>Task</a:t>
+            </a:r>
+          </a:p>
+          <a:p>
+            <a:r>
+              <a:rPr lang="it-IT" dirty="0"/>
+              <a:t>Accelerator Model</a:t>
+            </a:r>
+          </a:p>
+          <a:p>
+            <a:endParaRPr lang="it-IT" dirty="0"/>
+          </a:p>
+        </p:txBody>
+      </p:sp>
+    </p:spTree>
+    <p:extLst>
+      <p:ext uri="{BB962C8B-B14F-4D97-AF65-F5344CB8AC3E}">
+        <p14:creationId xmlns:p14="http://schemas.microsoft.com/office/powerpoint/2010/main" val="844955991"/>
+      </p:ext>
+    </p:extLst>
+  </p:cSld>
+  <p:clrMapOvr>
+    <a:masterClrMapping/>
+  </p:clrMapOvr>
+</p:sld>
+</file>
+
 <file path=ppt/slides/slide2.xml><?xml version="1.0" encoding="utf-8"?>
 <p:sld xmlns:a="http://schemas.openxmlformats.org/drawingml/2006/main" xmlns:r="http://schemas.openxmlformats.org/officeDocument/2006/relationships" xmlns:p="http://schemas.openxmlformats.org/presentationml/2006/main">
   <p:cSld>
@@ -4055,13 +4409,22 @@
             </a:r>
           </a:p>
           <a:p>
-            <a:pPr marL="0" indent="0">
+            <a:pPr marL="0" indent="0" algn="ctr">
               <a:buNone/>
             </a:pPr>
             <a:r>
-              <a:rPr lang="en-US" dirty="0"/>
-              <a:t>INCOLLARE FORMULA</a:t>
-            </a:r>
+              <a:rPr lang="en-US" sz="4000" i="1" dirty="0"/>
+              <a:t>y = A</a:t>
+            </a:r>
+            <a:r>
+              <a:rPr lang="en-US" sz="4000" i="1" baseline="30000" dirty="0"/>
+              <a:t>T </a:t>
+            </a:r>
+            <a:r>
+              <a:rPr lang="en-US" sz="4000" i="1" dirty="0"/>
+              <a:t>A x</a:t>
+            </a:r>
+            <a:endParaRPr lang="en-US" sz="4000" i="1" baseline="30000" dirty="0"/>
           </a:p>
           <a:p>
             <a:pPr marL="0" indent="0">
@@ -4087,6 +4450,14 @@
 <file path=ppt/slides/slide3.xml><?xml version="1.0" encoding="utf-8"?>
 <p:sld xmlns:a="http://schemas.openxmlformats.org/drawingml/2006/main" xmlns:r="http://schemas.openxmlformats.org/officeDocument/2006/relationships" xmlns:p="http://schemas.openxmlformats.org/presentationml/2006/main">
   <p:cSld>
+    <p:bg>
+      <p:bgPr>
+        <a:solidFill>
+          <a:schemeClr val="bg1"/>
+        </a:solidFill>
+        <a:effectLst/>
+      </p:bgPr>
+    </p:bg>
     <p:spTree>
       <p:nvGrpSpPr>
         <p:cNvPr id="1" name=""/>
@@ -4101,12 +4472,293 @@
           <a:chExt cx="0" cy="0"/>
         </a:xfrm>
       </p:grpSpPr>
+      <p:sp useBgFill="1">
+        <p:nvSpPr>
+          <p:cNvPr id="10" name="Rectangle 9">
+            <a:extLst>
+              <a:ext uri="{FF2B5EF4-FFF2-40B4-BE49-F238E27FC236}">
+                <a16:creationId xmlns:a16="http://schemas.microsoft.com/office/drawing/2014/main" id="{84136905-015B-4510-B514-027CBA846BD6}"/>
+              </a:ext>
+              <a:ext uri="{C183D7F6-B498-43B3-948B-1728B52AA6E4}">
+                <adec:decorative xmlns:adec="http://schemas.microsoft.com/office/drawing/2017/decorative" val="1"/>
+              </a:ext>
+            </a:extLst>
+          </p:cNvPr>
+          <p:cNvSpPr>
+            <a:spLocks noGrp="1" noRot="1" noChangeAspect="1" noMove="1" noResize="1" noEditPoints="1" noAdjustHandles="1" noChangeArrowheads="1" noChangeShapeType="1" noTextEdit="1"/>
+          </p:cNvSpPr>
+          <p:nvPr>
+            <p:extLst>
+              <p:ext uri="{386F3935-93C4-4BCD-93E2-E3B085C9AB24}">
+                <p16:designElem xmlns:p16="http://schemas.microsoft.com/office/powerpoint/2015/main" val="1"/>
+              </p:ext>
+            </p:extLst>
+          </p:nvPr>
+        </p:nvSpPr>
+        <p:spPr>
+          <a:xfrm>
+            <a:off x="0" y="0"/>
+            <a:ext cx="12192000" cy="6858000"/>
+          </a:xfrm>
+          <a:prstGeom prst="rect">
+            <a:avLst/>
+          </a:prstGeom>
+          <a:ln>
+            <a:noFill/>
+          </a:ln>
+        </p:spPr>
+        <p:style>
+          <a:lnRef idx="2">
+            <a:schemeClr val="accent1">
+              <a:shade val="50000"/>
+            </a:schemeClr>
+          </a:lnRef>
+          <a:fillRef idx="1">
+            <a:schemeClr val="accent1"/>
+          </a:fillRef>
+          <a:effectRef idx="0">
+            <a:schemeClr val="accent1"/>
+          </a:effectRef>
+          <a:fontRef idx="minor">
+            <a:schemeClr val="lt1"/>
+          </a:fontRef>
+        </p:style>
+        <p:txBody>
+          <a:bodyPr rtlCol="0" anchor="ctr"/>
+          <a:lstStyle/>
+          <a:p>
+            <a:pPr algn="ctr"/>
+            <a:endParaRPr lang="en-US"/>
+          </a:p>
+        </p:txBody>
+      </p:sp>
+      <p:sp>
+        <p:nvSpPr>
+          <p:cNvPr id="12" name="Rectangle 11">
+            <a:extLst>
+              <a:ext uri="{FF2B5EF4-FFF2-40B4-BE49-F238E27FC236}">
+                <a16:creationId xmlns:a16="http://schemas.microsoft.com/office/drawing/2014/main" id="{36CD0F97-2E5B-4E84-8544-EB24DED10446}"/>
+              </a:ext>
+              <a:ext uri="{C183D7F6-B498-43B3-948B-1728B52AA6E4}">
+                <adec:decorative xmlns:adec="http://schemas.microsoft.com/office/drawing/2017/decorative" val="1"/>
+              </a:ext>
+            </a:extLst>
+          </p:cNvPr>
+          <p:cNvSpPr>
+            <a:spLocks noGrp="1" noRot="1" noChangeAspect="1" noMove="1" noResize="1" noEditPoints="1" noAdjustHandles="1" noChangeArrowheads="1" noChangeShapeType="1" noTextEdit="1"/>
+          </p:cNvSpPr>
+          <p:nvPr>
+            <p:extLst>
+              <p:ext uri="{386F3935-93C4-4BCD-93E2-E3B085C9AB24}">
+                <p16:designElem xmlns:p16="http://schemas.microsoft.com/office/powerpoint/2015/main" val="1"/>
+              </p:ext>
+            </p:extLst>
+          </p:nvPr>
+        </p:nvSpPr>
+        <p:spPr>
+          <a:xfrm>
+            <a:off x="0" y="0"/>
+            <a:ext cx="12192000" cy="6099048"/>
+          </a:xfrm>
+          <a:prstGeom prst="rect">
+            <a:avLst/>
+          </a:prstGeom>
+          <a:gradFill flip="none" rotWithShape="1">
+            <a:gsLst>
+              <a:gs pos="10000">
+                <a:schemeClr val="accent5"/>
+              </a:gs>
+              <a:gs pos="90000">
+                <a:schemeClr val="accent1"/>
+              </a:gs>
+              <a:gs pos="70000">
+                <a:schemeClr val="accent2"/>
+              </a:gs>
+              <a:gs pos="30000">
+                <a:schemeClr val="accent4"/>
+              </a:gs>
+              <a:gs pos="50000">
+                <a:schemeClr val="accent3">
+                  <a:lumMod val="60000"/>
+                  <a:lumOff val="40000"/>
+                </a:schemeClr>
+              </a:gs>
+            </a:gsLst>
+            <a:lin ang="7200000" scaled="0"/>
+            <a:tileRect/>
+          </a:gradFill>
+          <a:ln>
+            <a:noFill/>
+          </a:ln>
+        </p:spPr>
+        <p:style>
+          <a:lnRef idx="2">
+            <a:schemeClr val="accent1">
+              <a:shade val="50000"/>
+            </a:schemeClr>
+          </a:lnRef>
+          <a:fillRef idx="1">
+            <a:schemeClr val="accent1"/>
+          </a:fillRef>
+          <a:effectRef idx="0">
+            <a:schemeClr val="accent1"/>
+          </a:effectRef>
+          <a:fontRef idx="minor">
+            <a:schemeClr val="lt1"/>
+          </a:fontRef>
+        </p:style>
+        <p:txBody>
+          <a:bodyPr rtlCol="0" anchor="ctr"/>
+          <a:lstStyle/>
+          <a:p>
+            <a:pPr algn="ctr"/>
+            <a:endParaRPr lang="en-US"/>
+          </a:p>
+        </p:txBody>
+      </p:sp>
+      <p:sp useBgFill="1">
+        <p:nvSpPr>
+          <p:cNvPr id="14" name="Freeform: Shape 13">
+            <a:extLst>
+              <a:ext uri="{FF2B5EF4-FFF2-40B4-BE49-F238E27FC236}">
+                <a16:creationId xmlns:a16="http://schemas.microsoft.com/office/drawing/2014/main" id="{18E670AF-873F-44DB-9862-796E652EECDB}"/>
+              </a:ext>
+              <a:ext uri="{C183D7F6-B498-43B3-948B-1728B52AA6E4}">
+                <adec:decorative xmlns:adec="http://schemas.microsoft.com/office/drawing/2017/decorative" val="1"/>
+              </a:ext>
+            </a:extLst>
+          </p:cNvPr>
+          <p:cNvSpPr>
+            <a:spLocks noGrp="1" noRot="1" noChangeAspect="1" noMove="1" noResize="1" noEditPoints="1" noAdjustHandles="1" noChangeArrowheads="1" noChangeShapeType="1" noTextEdit="1"/>
+          </p:cNvSpPr>
+          <p:nvPr>
+            <p:extLst>
+              <p:ext uri="{386F3935-93C4-4BCD-93E2-E3B085C9AB24}">
+                <p16:designElem xmlns:p16="http://schemas.microsoft.com/office/powerpoint/2015/main" val="1"/>
+              </p:ext>
+            </p:extLst>
+          </p:nvPr>
+        </p:nvSpPr>
+        <p:spPr>
+          <a:xfrm>
+            <a:off x="0" y="-1"/>
+            <a:ext cx="11430001" cy="6175613"/>
+          </a:xfrm>
+          <a:custGeom>
+            <a:avLst/>
+            <a:gdLst>
+              <a:gd name="connsiteX0" fmla="*/ 0 w 11430001"/>
+              <a:gd name="connsiteY0" fmla="*/ 0 h 6175613"/>
+              <a:gd name="connsiteX1" fmla="*/ 5638031 w 11430001"/>
+              <a:gd name="connsiteY1" fmla="*/ 0 h 6175613"/>
+              <a:gd name="connsiteX2" fmla="*/ 5638031 w 11430001"/>
+              <a:gd name="connsiteY2" fmla="*/ 758954 h 6175613"/>
+              <a:gd name="connsiteX3" fmla="*/ 11430001 w 11430001"/>
+              <a:gd name="connsiteY3" fmla="*/ 758954 h 6175613"/>
+              <a:gd name="connsiteX4" fmla="*/ 11430001 w 11430001"/>
+              <a:gd name="connsiteY4" fmla="*/ 6175613 h 6175613"/>
+              <a:gd name="connsiteX5" fmla="*/ 5638031 w 11430001"/>
+              <a:gd name="connsiteY5" fmla="*/ 6175613 h 6175613"/>
+              <a:gd name="connsiteX6" fmla="*/ 5240741 w 11430001"/>
+              <a:gd name="connsiteY6" fmla="*/ 6175613 h 6175613"/>
+              <a:gd name="connsiteX7" fmla="*/ 0 w 11430001"/>
+              <a:gd name="connsiteY7" fmla="*/ 6175613 h 6175613"/>
+            </a:gdLst>
+            <a:ahLst/>
+            <a:cxnLst>
+              <a:cxn ang="0">
+                <a:pos x="connsiteX0" y="connsiteY0"/>
+              </a:cxn>
+              <a:cxn ang="0">
+                <a:pos x="connsiteX1" y="connsiteY1"/>
+              </a:cxn>
+              <a:cxn ang="0">
+                <a:pos x="connsiteX2" y="connsiteY2"/>
+              </a:cxn>
+              <a:cxn ang="0">
+                <a:pos x="connsiteX3" y="connsiteY3"/>
+              </a:cxn>
+              <a:cxn ang="0">
+                <a:pos x="connsiteX4" y="connsiteY4"/>
+              </a:cxn>
+              <a:cxn ang="0">
+                <a:pos x="connsiteX5" y="connsiteY5"/>
+              </a:cxn>
+              <a:cxn ang="0">
+                <a:pos x="connsiteX6" y="connsiteY6"/>
+              </a:cxn>
+              <a:cxn ang="0">
+                <a:pos x="connsiteX7" y="connsiteY7"/>
+              </a:cxn>
+            </a:cxnLst>
+            <a:rect l="l" t="t" r="r" b="b"/>
+            <a:pathLst>
+              <a:path w="11430001" h="6175613">
+                <a:moveTo>
+                  <a:pt x="0" y="0"/>
+                </a:moveTo>
+                <a:lnTo>
+                  <a:pt x="5638031" y="0"/>
+                </a:lnTo>
+                <a:lnTo>
+                  <a:pt x="5638031" y="758954"/>
+                </a:lnTo>
+                <a:lnTo>
+                  <a:pt x="11430001" y="758954"/>
+                </a:lnTo>
+                <a:lnTo>
+                  <a:pt x="11430001" y="6175613"/>
+                </a:lnTo>
+                <a:lnTo>
+                  <a:pt x="5638031" y="6175613"/>
+                </a:lnTo>
+                <a:lnTo>
+                  <a:pt x="5240741" y="6175613"/>
+                </a:lnTo>
+                <a:lnTo>
+                  <a:pt x="0" y="6175613"/>
+                </a:lnTo>
+                <a:close/>
+              </a:path>
+            </a:pathLst>
+          </a:custGeom>
+          <a:ln>
+            <a:noFill/>
+          </a:ln>
+        </p:spPr>
+        <p:style>
+          <a:lnRef idx="2">
+            <a:schemeClr val="accent1">
+              <a:shade val="50000"/>
+            </a:schemeClr>
+          </a:lnRef>
+          <a:fillRef idx="1">
+            <a:schemeClr val="accent1"/>
+          </a:fillRef>
+          <a:effectRef idx="0">
+            <a:schemeClr val="accent1"/>
+          </a:effectRef>
+          <a:fontRef idx="minor">
+            <a:schemeClr val="lt1"/>
+          </a:fontRef>
+        </p:style>
+        <p:txBody>
+          <a:bodyPr wrap="square" rtlCol="0" anchor="ctr">
+            <a:noAutofit/>
+          </a:bodyPr>
+          <a:lstStyle/>
+          <a:p>
+            <a:pPr algn="ctr"/>
+            <a:endParaRPr lang="en-US"/>
+          </a:p>
+        </p:txBody>
+      </p:sp>
       <p:sp>
         <p:nvSpPr>
           <p:cNvPr id="2" name="Titolo 1">
             <a:extLst>
               <a:ext uri="{FF2B5EF4-FFF2-40B4-BE49-F238E27FC236}">
-                <a16:creationId xmlns:a16="http://schemas.microsoft.com/office/drawing/2014/main" id="{96CDA038-9BC5-A674-C84C-1EBEAD513E7C}"/>
+                <a16:creationId xmlns:a16="http://schemas.microsoft.com/office/drawing/2014/main" id="{D3BBDEBF-2540-38A2-BF23-71B9F62E656B}"/>
               </a:ext>
             </a:extLst>
           </p:cNvPr>
@@ -4117,127 +4769,476 @@
             <p:ph type="title"/>
           </p:nvPr>
         </p:nvSpPr>
-        <p:spPr/>
-        <p:txBody>
-          <a:bodyPr/>
-          <a:lstStyle/>
-          <a:p>
-            <a:endParaRPr lang="it-IT" dirty="0"/>
-          </a:p>
-        </p:txBody>
-      </p:sp>
-      <p:sp>
-        <p:nvSpPr>
-          <p:cNvPr id="3" name="Segnaposto contenuto 2">
-            <a:extLst>
-              <a:ext uri="{FF2B5EF4-FFF2-40B4-BE49-F238E27FC236}">
-                <a16:creationId xmlns:a16="http://schemas.microsoft.com/office/drawing/2014/main" id="{523324FF-2338-FB5E-C059-E52F31FA465C}"/>
-              </a:ext>
-            </a:extLst>
-          </p:cNvPr>
-          <p:cNvSpPr>
-            <a:spLocks noGrp="1"/>
-          </p:cNvSpPr>
-          <p:nvPr>
-            <p:ph idx="1"/>
-          </p:nvPr>
-        </p:nvSpPr>
-        <p:spPr/>
-        <p:txBody>
-          <a:bodyPr>
-            <a:normAutofit lnSpcReduction="10000"/>
+        <p:spPr>
+          <a:xfrm>
+            <a:off x="762000" y="758953"/>
+            <a:ext cx="4089779" cy="955547"/>
+          </a:xfrm>
+        </p:spPr>
+        <p:txBody>
+          <a:bodyPr anchor="ctr">
+            <a:normAutofit/>
           </a:bodyPr>
           <a:lstStyle/>
           <a:p>
-            <a:pPr marL="0" indent="0">
-              <a:buNone/>
-            </a:pPr>
-            <a:r>
-              <a:rPr lang="it-IT" dirty="0" err="1"/>
-              <a:t>We</a:t>
+            <a:r>
+              <a:rPr lang="it-IT" sz="4400" dirty="0"/>
+              <a:t>Code</a:t>
             </a:r>
             <a:r>
               <a:rPr lang="it-IT" dirty="0"/>
               <a:t> </a:t>
             </a:r>
-            <a:r>
-              <a:rPr lang="it-IT" dirty="0" err="1"/>
-              <a:t>tried</a:t>
-            </a:r>
-            <a:r>
-              <a:rPr lang="it-IT" dirty="0"/>
-              <a:t> to </a:t>
-            </a:r>
-            <a:r>
-              <a:rPr lang="it-IT" dirty="0" err="1"/>
-              <a:t>implement</a:t>
-            </a:r>
-            <a:r>
-              <a:rPr lang="it-IT" dirty="0"/>
-              <a:t>:</a:t>
-            </a:r>
-          </a:p>
-          <a:p>
-            <a:r>
-              <a:rPr lang="it-IT" dirty="0" err="1"/>
-              <a:t>Parallel</a:t>
-            </a:r>
-            <a:r>
-              <a:rPr lang="it-IT" dirty="0"/>
-              <a:t> For</a:t>
-            </a:r>
-          </a:p>
-          <a:p>
-            <a:r>
-              <a:rPr lang="it-IT" dirty="0" err="1"/>
-              <a:t>Parallel</a:t>
-            </a:r>
-            <a:r>
-              <a:rPr lang="it-IT" dirty="0"/>
-              <a:t> For + </a:t>
-            </a:r>
-            <a:r>
-              <a:rPr lang="it-IT" dirty="0" err="1"/>
-              <a:t>Reduction</a:t>
-            </a:r>
-            <a:endParaRPr lang="it-IT" dirty="0"/>
-          </a:p>
-          <a:p>
-            <a:r>
-              <a:rPr lang="it-IT" dirty="0" err="1"/>
-              <a:t>Parallel</a:t>
-            </a:r>
-            <a:r>
-              <a:rPr lang="it-IT" dirty="0"/>
-              <a:t> For + </a:t>
-            </a:r>
-            <a:r>
-              <a:rPr lang="it-IT" dirty="0" err="1"/>
-              <a:t>Collapse</a:t>
-            </a:r>
-            <a:endParaRPr lang="it-IT" dirty="0"/>
-          </a:p>
-          <a:p>
-            <a:r>
-              <a:rPr lang="it-IT" strike="sngStrike" dirty="0"/>
-              <a:t>Task</a:t>
-            </a:r>
-          </a:p>
-          <a:p>
-            <a:r>
-              <a:rPr lang="it-IT" dirty="0"/>
-              <a:t>Accelerator Model</a:t>
-            </a:r>
-          </a:p>
-          <a:p>
-            <a:endParaRPr lang="it-IT" dirty="0"/>
-          </a:p>
-        </p:txBody>
-      </p:sp>
+          </a:p>
+        </p:txBody>
+      </p:sp>
+      <p:sp>
+        <p:nvSpPr>
+          <p:cNvPr id="3" name="Segnaposto contenuto 2">
+            <a:extLst>
+              <a:ext uri="{FF2B5EF4-FFF2-40B4-BE49-F238E27FC236}">
+                <a16:creationId xmlns:a16="http://schemas.microsoft.com/office/drawing/2014/main" id="{4707D0E9-2454-7341-287A-C2F77816DED2}"/>
+              </a:ext>
+            </a:extLst>
+          </p:cNvPr>
+          <p:cNvSpPr>
+            <a:spLocks noGrp="1"/>
+          </p:cNvSpPr>
+          <p:nvPr>
+            <p:ph idx="1"/>
+          </p:nvPr>
+        </p:nvSpPr>
+        <p:spPr>
+          <a:xfrm>
+            <a:off x="118525" y="2552701"/>
+            <a:ext cx="5132774" cy="1534667"/>
+          </a:xfrm>
+        </p:spPr>
+        <p:txBody>
+          <a:bodyPr anchor="t">
+            <a:normAutofit/>
+          </a:bodyPr>
+          <a:lstStyle/>
+          <a:p>
+            <a:pPr marL="514350" indent="-514350">
+              <a:buAutoNum type="arabicPeriod"/>
+            </a:pPr>
+            <a:r>
+              <a:rPr lang="en-GB" sz="2400" dirty="0"/>
+              <a:t>Initialization</a:t>
+            </a:r>
+            <a:r>
+              <a:rPr lang="it-IT" sz="2400" dirty="0"/>
+              <a:t> </a:t>
+            </a:r>
+            <a:r>
+              <a:rPr lang="en-GB" sz="2400" dirty="0"/>
+              <a:t>of</a:t>
+            </a:r>
+            <a:r>
+              <a:rPr lang="it-IT" sz="2400" dirty="0"/>
+              <a:t> </a:t>
+            </a:r>
+            <a:r>
+              <a:rPr lang="it-IT" sz="2400" dirty="0" err="1"/>
+              <a:t>solution</a:t>
+            </a:r>
+            <a:r>
+              <a:rPr lang="it-IT" sz="2400" dirty="0"/>
+              <a:t> </a:t>
+            </a:r>
+            <a:r>
+              <a:rPr lang="it-IT" sz="2400" dirty="0" err="1"/>
+              <a:t>vector</a:t>
+            </a:r>
+            <a:r>
+              <a:rPr lang="it-IT" sz="2400" dirty="0"/>
+              <a:t> </a:t>
+            </a:r>
+            <a:r>
+              <a:rPr lang="it-IT" sz="2400" b="1" i="1" dirty="0"/>
+              <a:t>y</a:t>
+            </a:r>
+          </a:p>
+          <a:p>
+            <a:pPr marL="514350" indent="-514350">
+              <a:buAutoNum type="arabicPeriod"/>
+            </a:pPr>
+            <a:r>
+              <a:rPr lang="it-IT" sz="2400" dirty="0" err="1"/>
+              <a:t>Computation</a:t>
+            </a:r>
+            <a:r>
+              <a:rPr lang="it-IT" sz="2400" dirty="0"/>
+              <a:t> of </a:t>
+            </a:r>
+            <a:r>
+              <a:rPr lang="it-IT" sz="2400" b="1" i="1" dirty="0" err="1"/>
+              <a:t>tmp</a:t>
+            </a:r>
+            <a:r>
+              <a:rPr lang="it-IT" sz="2400" b="1" i="1" dirty="0"/>
+              <a:t> = A ⋅ x</a:t>
+            </a:r>
+          </a:p>
+          <a:p>
+            <a:pPr marL="514350" indent="-514350">
+              <a:buAutoNum type="arabicPeriod"/>
+            </a:pPr>
+            <a:r>
+              <a:rPr lang="it-IT" sz="2400" dirty="0" err="1"/>
+              <a:t>Computation</a:t>
+            </a:r>
+            <a:r>
+              <a:rPr lang="it-IT" sz="2400" dirty="0"/>
+              <a:t> of </a:t>
+            </a:r>
+            <a:r>
+              <a:rPr lang="it-IT" sz="2400" b="1" i="1" dirty="0"/>
+              <a:t>y = A</a:t>
+            </a:r>
+            <a:r>
+              <a:rPr lang="it-IT" sz="2400" b="1" i="1" baseline="30000" dirty="0"/>
+              <a:t>T</a:t>
+            </a:r>
+            <a:r>
+              <a:rPr lang="it-IT" sz="2400" b="1" i="1" dirty="0"/>
+              <a:t> ⋅ </a:t>
+            </a:r>
+            <a:r>
+              <a:rPr lang="it-IT" sz="2400" b="1" i="1" dirty="0" err="1"/>
+              <a:t>tmp</a:t>
+            </a:r>
+            <a:endParaRPr lang="it-IT" sz="2400" b="1" i="1" baseline="30000" dirty="0"/>
+          </a:p>
+        </p:txBody>
+      </p:sp>
+      <p:pic>
+        <p:nvPicPr>
+          <p:cNvPr id="5" name="Immagine 4">
+            <a:extLst>
+              <a:ext uri="{FF2B5EF4-FFF2-40B4-BE49-F238E27FC236}">
+                <a16:creationId xmlns:a16="http://schemas.microsoft.com/office/drawing/2014/main" id="{57968BDD-31F1-92D2-ED5F-E865CFBC6EBA}"/>
+              </a:ext>
+            </a:extLst>
+          </p:cNvPr>
+          <p:cNvPicPr>
+            <a:picLocks noChangeAspect="1"/>
+          </p:cNvPicPr>
+          <p:nvPr/>
+        </p:nvPicPr>
+        <p:blipFill>
+          <a:blip r:embed="rId2"/>
+          <a:stretch>
+            <a:fillRect/>
+          </a:stretch>
+        </p:blipFill>
+        <p:spPr>
+          <a:xfrm>
+            <a:off x="5641077" y="1860543"/>
+            <a:ext cx="5026924" cy="3895865"/>
+          </a:xfrm>
+          <a:prstGeom prst="rect">
+            <a:avLst/>
+          </a:prstGeom>
+        </p:spPr>
+      </p:pic>
+      <p:sp>
+        <p:nvSpPr>
+          <p:cNvPr id="6" name="Rettangolo 5">
+            <a:extLst>
+              <a:ext uri="{FF2B5EF4-FFF2-40B4-BE49-F238E27FC236}">
+                <a16:creationId xmlns:a16="http://schemas.microsoft.com/office/drawing/2014/main" id="{A492BB25-E906-4BC4-7308-9391D46AFE4A}"/>
+              </a:ext>
+            </a:extLst>
+          </p:cNvPr>
+          <p:cNvSpPr/>
+          <p:nvPr/>
+        </p:nvSpPr>
+        <p:spPr>
+          <a:xfrm>
+            <a:off x="5505450" y="1714500"/>
+            <a:ext cx="3638550" cy="838200"/>
+          </a:xfrm>
+          <a:prstGeom prst="rect">
+            <a:avLst/>
+          </a:prstGeom>
+          <a:noFill/>
+          <a:ln w="38100">
+            <a:solidFill>
+              <a:srgbClr val="FF0000"/>
+            </a:solidFill>
+          </a:ln>
+        </p:spPr>
+        <p:style>
+          <a:lnRef idx="2">
+            <a:schemeClr val="accent1">
+              <a:shade val="15000"/>
+            </a:schemeClr>
+          </a:lnRef>
+          <a:fillRef idx="1">
+            <a:schemeClr val="accent1"/>
+          </a:fillRef>
+          <a:effectRef idx="0">
+            <a:schemeClr val="accent1"/>
+          </a:effectRef>
+          <a:fontRef idx="minor">
+            <a:schemeClr val="lt1"/>
+          </a:fontRef>
+        </p:style>
+        <p:txBody>
+          <a:bodyPr rtlCol="0" anchor="ctr"/>
+          <a:lstStyle/>
+          <a:p>
+            <a:pPr algn="ctr"/>
+            <a:endParaRPr lang="it-IT"/>
+          </a:p>
+        </p:txBody>
+      </p:sp>
+      <p:sp>
+        <p:nvSpPr>
+          <p:cNvPr id="7" name="Rettangolo 6">
+            <a:extLst>
+              <a:ext uri="{FF2B5EF4-FFF2-40B4-BE49-F238E27FC236}">
+                <a16:creationId xmlns:a16="http://schemas.microsoft.com/office/drawing/2014/main" id="{BDD5D10F-6E43-5CFE-10C5-26F5FC8FF44B}"/>
+              </a:ext>
+            </a:extLst>
+          </p:cNvPr>
+          <p:cNvSpPr/>
+          <p:nvPr/>
+        </p:nvSpPr>
+        <p:spPr>
+          <a:xfrm>
+            <a:off x="5987034" y="3886201"/>
+            <a:ext cx="4601718" cy="838200"/>
+          </a:xfrm>
+          <a:prstGeom prst="rect">
+            <a:avLst/>
+          </a:prstGeom>
+          <a:noFill/>
+          <a:ln w="38100">
+            <a:solidFill>
+              <a:srgbClr val="00B050"/>
+            </a:solidFill>
+          </a:ln>
+        </p:spPr>
+        <p:style>
+          <a:lnRef idx="2">
+            <a:schemeClr val="accent1">
+              <a:shade val="15000"/>
+            </a:schemeClr>
+          </a:lnRef>
+          <a:fillRef idx="1">
+            <a:schemeClr val="accent1"/>
+          </a:fillRef>
+          <a:effectRef idx="0">
+            <a:schemeClr val="accent1"/>
+          </a:effectRef>
+          <a:fontRef idx="minor">
+            <a:schemeClr val="lt1"/>
+          </a:fontRef>
+        </p:style>
+        <p:txBody>
+          <a:bodyPr rtlCol="0" anchor="ctr"/>
+          <a:lstStyle/>
+          <a:p>
+            <a:pPr algn="ctr"/>
+            <a:endParaRPr lang="it-IT"/>
+          </a:p>
+        </p:txBody>
+      </p:sp>
+      <p:sp>
+        <p:nvSpPr>
+          <p:cNvPr id="8" name="Rettangolo 7">
+            <a:extLst>
+              <a:ext uri="{FF2B5EF4-FFF2-40B4-BE49-F238E27FC236}">
+                <a16:creationId xmlns:a16="http://schemas.microsoft.com/office/drawing/2014/main" id="{62A7C47A-9118-095F-E876-2909323908AE}"/>
+              </a:ext>
+            </a:extLst>
+          </p:cNvPr>
+          <p:cNvSpPr/>
+          <p:nvPr/>
+        </p:nvSpPr>
+        <p:spPr>
+          <a:xfrm>
+            <a:off x="5987034" y="4855543"/>
+            <a:ext cx="4601718" cy="838200"/>
+          </a:xfrm>
+          <a:prstGeom prst="rect">
+            <a:avLst/>
+          </a:prstGeom>
+          <a:noFill/>
+          <a:ln w="38100">
+            <a:solidFill>
+              <a:srgbClr val="00B0F0"/>
+            </a:solidFill>
+          </a:ln>
+        </p:spPr>
+        <p:style>
+          <a:lnRef idx="2">
+            <a:schemeClr val="accent1">
+              <a:shade val="15000"/>
+            </a:schemeClr>
+          </a:lnRef>
+          <a:fillRef idx="1">
+            <a:schemeClr val="accent1"/>
+          </a:fillRef>
+          <a:effectRef idx="0">
+            <a:schemeClr val="accent1"/>
+          </a:effectRef>
+          <a:fontRef idx="minor">
+            <a:schemeClr val="lt1"/>
+          </a:fontRef>
+        </p:style>
+        <p:txBody>
+          <a:bodyPr rtlCol="0" anchor="ctr"/>
+          <a:lstStyle/>
+          <a:p>
+            <a:pPr algn="ctr"/>
+            <a:endParaRPr lang="it-IT"/>
+          </a:p>
+        </p:txBody>
+      </p:sp>
+      <p:cxnSp>
+        <p:nvCxnSpPr>
+          <p:cNvPr id="11" name="Connettore a gomito 10">
+            <a:extLst>
+              <a:ext uri="{FF2B5EF4-FFF2-40B4-BE49-F238E27FC236}">
+                <a16:creationId xmlns:a16="http://schemas.microsoft.com/office/drawing/2014/main" id="{E7BB373B-E060-D098-7516-508C3998DA75}"/>
+              </a:ext>
+            </a:extLst>
+          </p:cNvPr>
+          <p:cNvCxnSpPr>
+            <a:cxnSpLocks/>
+            <a:stCxn id="3" idx="0"/>
+            <a:endCxn id="6" idx="1"/>
+          </p:cNvCxnSpPr>
+          <p:nvPr/>
+        </p:nvCxnSpPr>
+        <p:spPr>
+          <a:xfrm rot="5400000" flipH="1" flipV="1">
+            <a:off x="3885631" y="932882"/>
+            <a:ext cx="419101" cy="2820538"/>
+          </a:xfrm>
+          <a:prstGeom prst="bentConnector2">
+            <a:avLst/>
+          </a:prstGeom>
+          <a:ln w="28575">
+            <a:solidFill>
+              <a:srgbClr val="FF0000"/>
+            </a:solidFill>
+            <a:tailEnd type="triangle"/>
+          </a:ln>
+        </p:spPr>
+        <p:style>
+          <a:lnRef idx="1">
+            <a:schemeClr val="accent1"/>
+          </a:lnRef>
+          <a:fillRef idx="0">
+            <a:schemeClr val="accent1"/>
+          </a:fillRef>
+          <a:effectRef idx="0">
+            <a:schemeClr val="accent1"/>
+          </a:effectRef>
+          <a:fontRef idx="minor">
+            <a:schemeClr val="tx1"/>
+          </a:fontRef>
+        </p:style>
+      </p:cxnSp>
+      <p:cxnSp>
+        <p:nvCxnSpPr>
+          <p:cNvPr id="17" name="Connettore a gomito 16">
+            <a:extLst>
+              <a:ext uri="{FF2B5EF4-FFF2-40B4-BE49-F238E27FC236}">
+                <a16:creationId xmlns:a16="http://schemas.microsoft.com/office/drawing/2014/main" id="{A6AEB985-DFF5-2A08-FCAF-D92AC5384C27}"/>
+              </a:ext>
+            </a:extLst>
+          </p:cNvPr>
+          <p:cNvCxnSpPr>
+            <a:cxnSpLocks/>
+            <a:endCxn id="7" idx="1"/>
+          </p:cNvCxnSpPr>
+          <p:nvPr/>
+        </p:nvCxnSpPr>
+        <p:spPr>
+          <a:xfrm>
+            <a:off x="4672584" y="3310128"/>
+            <a:ext cx="1314450" cy="995173"/>
+          </a:xfrm>
+          <a:prstGeom prst="bentConnector3">
+            <a:avLst/>
+          </a:prstGeom>
+          <a:ln w="28575">
+            <a:solidFill>
+              <a:srgbClr val="00B050"/>
+            </a:solidFill>
+            <a:tailEnd type="triangle"/>
+          </a:ln>
+        </p:spPr>
+        <p:style>
+          <a:lnRef idx="1">
+            <a:schemeClr val="accent1"/>
+          </a:lnRef>
+          <a:fillRef idx="0">
+            <a:schemeClr val="accent1"/>
+          </a:fillRef>
+          <a:effectRef idx="0">
+            <a:schemeClr val="accent1"/>
+          </a:effectRef>
+          <a:fontRef idx="minor">
+            <a:schemeClr val="tx1"/>
+          </a:fontRef>
+        </p:style>
+      </p:cxnSp>
+      <p:cxnSp>
+        <p:nvCxnSpPr>
+          <p:cNvPr id="20" name="Connettore a gomito 19">
+            <a:extLst>
+              <a:ext uri="{FF2B5EF4-FFF2-40B4-BE49-F238E27FC236}">
+                <a16:creationId xmlns:a16="http://schemas.microsoft.com/office/drawing/2014/main" id="{ED108FA6-2A72-3D23-3683-209DAC32A63F}"/>
+              </a:ext>
+            </a:extLst>
+          </p:cNvPr>
+          <p:cNvCxnSpPr>
+            <a:stCxn id="3" idx="2"/>
+            <a:endCxn id="8" idx="1"/>
+          </p:cNvCxnSpPr>
+          <p:nvPr/>
+        </p:nvCxnSpPr>
+        <p:spPr>
+          <a:xfrm rot="16200000" flipH="1">
+            <a:off x="3742336" y="3029944"/>
+            <a:ext cx="1187275" cy="3302122"/>
+          </a:xfrm>
+          <a:prstGeom prst="bentConnector2">
+            <a:avLst/>
+          </a:prstGeom>
+          <a:ln w="28575">
+            <a:solidFill>
+              <a:srgbClr val="00B0F0"/>
+            </a:solidFill>
+            <a:tailEnd type="triangle"/>
+          </a:ln>
+        </p:spPr>
+        <p:style>
+          <a:lnRef idx="1">
+            <a:schemeClr val="accent1"/>
+          </a:lnRef>
+          <a:fillRef idx="0">
+            <a:schemeClr val="accent1"/>
+          </a:fillRef>
+          <a:effectRef idx="0">
+            <a:schemeClr val="accent1"/>
+          </a:effectRef>
+          <a:fontRef idx="minor">
+            <a:schemeClr val="tx1"/>
+          </a:fontRef>
+        </p:style>
+      </p:cxnSp>
     </p:spTree>
     <p:extLst>
       <p:ext uri="{BB962C8B-B14F-4D97-AF65-F5344CB8AC3E}">
-        <p14:creationId xmlns:p14="http://schemas.microsoft.com/office/powerpoint/2010/main" val="714216367"/>
+        <p14:creationId xmlns:p14="http://schemas.microsoft.com/office/powerpoint/2010/main" val="4002442238"/>
       </p:ext>
     </p:extLst>
   </p:cSld>
@@ -4269,7 +5270,7 @@
           <p:cNvPr id="2" name="Titolo 1">
             <a:extLst>
               <a:ext uri="{FF2B5EF4-FFF2-40B4-BE49-F238E27FC236}">
-                <a16:creationId xmlns:a16="http://schemas.microsoft.com/office/drawing/2014/main" id="{D3BBDEBF-2540-38A2-BF23-71B9F62E656B}"/>
+                <a16:creationId xmlns:a16="http://schemas.microsoft.com/office/drawing/2014/main" id="{96CDA038-9BC5-A674-C84C-1EBEAD513E7C}"/>
               </a:ext>
             </a:extLst>
           </p:cNvPr>
@@ -4280,15 +5281,46 @@
             <p:ph type="title"/>
           </p:nvPr>
         </p:nvSpPr>
-        <p:spPr/>
-        <p:txBody>
-          <a:bodyPr/>
-          <a:lstStyle/>
-          <a:p>
+        <p:spPr>
+          <a:xfrm>
+            <a:off x="1517904" y="1517904"/>
+            <a:ext cx="9144000" cy="822960"/>
+          </a:xfrm>
+        </p:spPr>
+        <p:txBody>
+          <a:bodyPr>
+            <a:normAutofit fontScale="90000"/>
+          </a:bodyPr>
+          <a:lstStyle/>
+          <a:p>
+            <a:r>
+              <a:rPr lang="it-IT" dirty="0" err="1"/>
+              <a:t>We</a:t>
+            </a:r>
             <a:r>
               <a:rPr lang="it-IT" dirty="0"/>
-              <a:t>Code </a:t>
-            </a:r>
+              <a:t> </a:t>
+            </a:r>
+            <a:r>
+              <a:rPr lang="it-IT" dirty="0" err="1"/>
+              <a:t>tried</a:t>
+            </a:r>
+            <a:r>
+              <a:rPr lang="it-IT" dirty="0"/>
+              <a:t> to </a:t>
+            </a:r>
+            <a:r>
+              <a:rPr lang="it-IT" dirty="0" err="1"/>
+              <a:t>implement</a:t>
+            </a:r>
+            <a:r>
+              <a:rPr lang="it-IT" dirty="0"/>
+              <a:t>:</a:t>
+            </a:r>
+            <a:br>
+              <a:rPr lang="it-IT" dirty="0"/>
+            </a:br>
+            <a:endParaRPr lang="it-IT" dirty="0"/>
           </a:p>
         </p:txBody>
       </p:sp>
@@ -4297,7 +5329,7 @@
           <p:cNvPr id="3" name="Segnaposto contenuto 2">
             <a:extLst>
               <a:ext uri="{FF2B5EF4-FFF2-40B4-BE49-F238E27FC236}">
-                <a16:creationId xmlns:a16="http://schemas.microsoft.com/office/drawing/2014/main" id="{4707D0E9-2454-7341-287A-C2F77816DED2}"/>
+                <a16:creationId xmlns:a16="http://schemas.microsoft.com/office/drawing/2014/main" id="{523324FF-2338-FB5E-C059-E52F31FA465C}"/>
               </a:ext>
             </a:extLst>
           </p:cNvPr>
@@ -4308,25 +5340,92 @@
             <p:ph idx="1"/>
           </p:nvPr>
         </p:nvSpPr>
-        <p:spPr/>
-        <p:txBody>
-          <a:bodyPr/>
-          <a:lstStyle/>
-          <a:p>
-            <a:pPr marL="0" indent="0">
-              <a:buNone/>
+        <p:spPr>
+          <a:xfrm>
+            <a:off x="1517904" y="2340864"/>
+            <a:ext cx="9144000" cy="2807208"/>
+          </a:xfrm>
+        </p:spPr>
+        <p:txBody>
+          <a:bodyPr>
+            <a:normAutofit/>
+          </a:bodyPr>
+          <a:lstStyle/>
+          <a:p>
+            <a:r>
+              <a:rPr lang="it-IT" dirty="0" err="1"/>
+              <a:t>Parallel</a:t>
+            </a:r>
+            <a:r>
+              <a:rPr lang="it-IT" dirty="0"/>
+              <a:t> For</a:t>
+            </a:r>
+          </a:p>
+          <a:p>
+            <a:r>
+              <a:rPr lang="it-IT" dirty="0" err="1"/>
+              <a:t>Parallel</a:t>
+            </a:r>
+            <a:r>
+              <a:rPr lang="it-IT" dirty="0"/>
+              <a:t> For + </a:t>
+            </a:r>
+            <a:r>
+              <a:rPr lang="it-IT" dirty="0" err="1"/>
+              <a:t>Reduction</a:t>
+            </a:r>
+            <a:endParaRPr lang="it-IT" dirty="0"/>
+          </a:p>
+          <a:p>
+            <a:r>
+              <a:rPr lang="it-IT" dirty="0" err="1"/>
+              <a:t>Parallel</a:t>
+            </a:r>
+            <a:r>
+              <a:rPr lang="it-IT" dirty="0"/>
+              <a:t> For + </a:t>
+            </a:r>
+            <a:r>
+              <a:rPr lang="it-IT" dirty="0" err="1"/>
+              <a:t>Collapse</a:t>
+            </a:r>
+            <a:endParaRPr lang="it-IT" dirty="0"/>
+          </a:p>
+          <a:p>
+            <a:r>
+              <a:rPr lang="it-IT" dirty="0"/>
+              <a:t>Accelerator Model</a:t>
+            </a:r>
+          </a:p>
+          <a:p>
+            <a:pPr>
+              <a:buClr>
+                <a:srgbClr val="FF0000"/>
+              </a:buClr>
+              <a:buFont typeface="Avenir Next LT Pro" panose="020B0504020202020204" pitchFamily="34" charset="0"/>
+              <a:buChar char="×"/>
             </a:pPr>
             <a:r>
-              <a:rPr lang="it-IT" dirty="0"/>
-              <a:t>Tre codici a confronto</a:t>
-            </a:r>
+              <a:rPr lang="it-IT" b="1" dirty="0">
+                <a:solidFill>
+                  <a:srgbClr val="FF0000"/>
+                </a:solidFill>
+              </a:rPr>
+              <a:t>Task</a:t>
+            </a:r>
+          </a:p>
+          <a:p>
+            <a:endParaRPr lang="it-IT" dirty="0"/>
+          </a:p>
+          <a:p>
+            <a:endParaRPr lang="it-IT" dirty="0"/>
           </a:p>
         </p:txBody>
       </p:sp>
     </p:spTree>
     <p:extLst>
       <p:ext uri="{BB962C8B-B14F-4D97-AF65-F5344CB8AC3E}">
-        <p14:creationId xmlns:p14="http://schemas.microsoft.com/office/powerpoint/2010/main" val="4002442238"/>
+        <p14:creationId xmlns:p14="http://schemas.microsoft.com/office/powerpoint/2010/main" val="714216367"/>
       </p:ext>
     </p:extLst>
   </p:cSld>
@@ -4600,8 +5699,8 @@
         </p:nvSpPr>
         <p:spPr>
           <a:xfrm>
-            <a:off x="1186054" y="231146"/>
-            <a:ext cx="10668000" cy="1042660"/>
+            <a:off x="1673539" y="231146"/>
+            <a:ext cx="8844922" cy="835369"/>
           </a:xfrm>
         </p:spPr>
         <p:txBody>
@@ -4612,7 +5711,7 @@
           <a:p>
             <a:pPr algn="ctr"/>
             <a:r>
-              <a:rPr lang="en-US" sz="6000" dirty="0"/>
+              <a:rPr lang="en-US" sz="4400" dirty="0"/>
               <a:t>RESULTS COMPARISON</a:t>
             </a:r>
           </a:p>
@@ -5667,7 +6766,13 @@
     </p:bg>
     <p:spTree>
       <p:nvGrpSpPr>
-        <p:cNvPr id="1" name=""/>
+        <p:cNvPr id="1" name="">
+          <a:extLst>
+            <a:ext uri="{FF2B5EF4-FFF2-40B4-BE49-F238E27FC236}">
+              <a16:creationId xmlns:a16="http://schemas.microsoft.com/office/drawing/2014/main" id="{E1924BE9-2B1E-81AE-F83E-534AFAB0181F}"/>
+            </a:ext>
+          </a:extLst>
+        </p:cNvPr>
         <p:cNvGrpSpPr/>
         <p:nvPr/>
       </p:nvGrpSpPr>
@@ -5679,12 +6784,12 @@
           <a:chExt cx="0" cy="0"/>
         </a:xfrm>
       </p:grpSpPr>
-      <p:sp useBgFill="1">
-        <p:nvSpPr>
-          <p:cNvPr id="14" name="Rectangle 7">
-            <a:extLst>
-              <a:ext uri="{FF2B5EF4-FFF2-40B4-BE49-F238E27FC236}">
-                <a16:creationId xmlns:a16="http://schemas.microsoft.com/office/drawing/2014/main" id="{D160B463-41E9-4323-AE6D-30E67F2C7227}"/>
+      <p:sp>
+        <p:nvSpPr>
+          <p:cNvPr id="10" name="Freeform: Shape 9">
+            <a:extLst>
+              <a:ext uri="{FF2B5EF4-FFF2-40B4-BE49-F238E27FC236}">
+                <a16:creationId xmlns:a16="http://schemas.microsoft.com/office/drawing/2014/main" id="{7A95690A-0521-3601-72D9-C843D41BEC72}"/>
               </a:ext>
               <a:ext uri="{C183D7F6-B498-43B3-948B-1728B52AA6E4}">
                 <adec:decorative xmlns:adec="http://schemas.microsoft.com/office/drawing/2017/decorative" val="1"/>
@@ -5705,71 +6810,86 @@
         <p:spPr>
           <a:xfrm>
             <a:off x="0" y="0"/>
-            <a:ext cx="12192000" cy="6858000"/>
+            <a:ext cx="12192000" cy="6105524"/>
           </a:xfrm>
-          <a:prstGeom prst="rect">
+          <a:custGeom>
             <a:avLst/>
-          </a:prstGeom>
-          <a:ln>
-            <a:noFill/>
-          </a:ln>
-        </p:spPr>
-        <p:style>
-          <a:lnRef idx="2">
-            <a:schemeClr val="accent1">
-              <a:shade val="50000"/>
-            </a:schemeClr>
-          </a:lnRef>
-          <a:fillRef idx="1">
-            <a:schemeClr val="accent1"/>
-          </a:fillRef>
-          <a:effectRef idx="0">
-            <a:schemeClr val="accent1"/>
-          </a:effectRef>
-          <a:fontRef idx="minor">
-            <a:schemeClr val="lt1"/>
-          </a:fontRef>
-        </p:style>
-        <p:txBody>
-          <a:bodyPr rtlCol="0" anchor="ctr"/>
-          <a:lstStyle/>
-          <a:p>
-            <a:pPr algn="ctr"/>
-            <a:endParaRPr lang="en-US"/>
-          </a:p>
-        </p:txBody>
-      </p:sp>
-      <p:sp>
-        <p:nvSpPr>
-          <p:cNvPr id="15" name="Rectangle 9">
-            <a:extLst>
-              <a:ext uri="{FF2B5EF4-FFF2-40B4-BE49-F238E27FC236}">
-                <a16:creationId xmlns:a16="http://schemas.microsoft.com/office/drawing/2014/main" id="{188A358F-F8B2-4FD2-99F3-7CA83358500E}"/>
-              </a:ext>
-              <a:ext uri="{C183D7F6-B498-43B3-948B-1728B52AA6E4}">
-                <adec:decorative xmlns:adec="http://schemas.microsoft.com/office/drawing/2017/decorative" val="1"/>
-              </a:ext>
-            </a:extLst>
-          </p:cNvPr>
-          <p:cNvSpPr>
-            <a:spLocks noGrp="1" noRot="1" noChangeAspect="1" noMove="1" noResize="1" noEditPoints="1" noAdjustHandles="1" noChangeArrowheads="1" noChangeShapeType="1" noTextEdit="1"/>
-          </p:cNvSpPr>
-          <p:nvPr>
-            <p:extLst>
-              <p:ext uri="{386F3935-93C4-4BCD-93E2-E3B085C9AB24}">
-                <p16:designElem xmlns:p16="http://schemas.microsoft.com/office/powerpoint/2015/main" val="1"/>
-              </p:ext>
-            </p:extLst>
-          </p:nvPr>
-        </p:nvSpPr>
-        <p:spPr>
-          <a:xfrm>
-            <a:off x="0" y="0"/>
-            <a:ext cx="12192000" cy="6858000"/>
-          </a:xfrm>
-          <a:prstGeom prst="rect">
-            <a:avLst/>
-          </a:prstGeom>
+            <a:gdLst>
+              <a:gd name="connsiteX0" fmla="*/ 0 w 12192000"/>
+              <a:gd name="connsiteY0" fmla="*/ 0 h 6105524"/>
+              <a:gd name="connsiteX1" fmla="*/ 12192000 w 12192000"/>
+              <a:gd name="connsiteY1" fmla="*/ 0 h 6105524"/>
+              <a:gd name="connsiteX2" fmla="*/ 12192000 w 12192000"/>
+              <a:gd name="connsiteY2" fmla="*/ 6105524 h 6105524"/>
+              <a:gd name="connsiteX3" fmla="*/ 11435080 w 12192000"/>
+              <a:gd name="connsiteY3" fmla="*/ 6105524 h 6105524"/>
+              <a:gd name="connsiteX4" fmla="*/ 11435080 w 12192000"/>
+              <a:gd name="connsiteY4" fmla="*/ 771523 h 6105524"/>
+              <a:gd name="connsiteX5" fmla="*/ 767080 w 12192000"/>
+              <a:gd name="connsiteY5" fmla="*/ 771523 h 6105524"/>
+              <a:gd name="connsiteX6" fmla="*/ 767080 w 12192000"/>
+              <a:gd name="connsiteY6" fmla="*/ 6105524 h 6105524"/>
+              <a:gd name="connsiteX7" fmla="*/ 0 w 12192000"/>
+              <a:gd name="connsiteY7" fmla="*/ 6105524 h 6105524"/>
+            </a:gdLst>
+            <a:ahLst/>
+            <a:cxnLst>
+              <a:cxn ang="0">
+                <a:pos x="connsiteX0" y="connsiteY0"/>
+              </a:cxn>
+              <a:cxn ang="0">
+                <a:pos x="connsiteX1" y="connsiteY1"/>
+              </a:cxn>
+              <a:cxn ang="0">
+                <a:pos x="connsiteX2" y="connsiteY2"/>
+              </a:cxn>
+              <a:cxn ang="0">
+                <a:pos x="connsiteX3" y="connsiteY3"/>
+              </a:cxn>
+              <a:cxn ang="0">
+                <a:pos x="connsiteX4" y="connsiteY4"/>
+              </a:cxn>
+              <a:cxn ang="0">
+                <a:pos x="connsiteX5" y="connsiteY5"/>
+              </a:cxn>
+              <a:cxn ang="0">
+                <a:pos x="connsiteX6" y="connsiteY6"/>
+              </a:cxn>
+              <a:cxn ang="0">
+                <a:pos x="connsiteX7" y="connsiteY7"/>
+              </a:cxn>
+            </a:cxnLst>
+            <a:rect l="l" t="t" r="r" b="b"/>
+            <a:pathLst>
+              <a:path w="12192000" h="6105524">
+                <a:moveTo>
+                  <a:pt x="0" y="0"/>
+                </a:moveTo>
+                <a:lnTo>
+                  <a:pt x="12192000" y="0"/>
+                </a:lnTo>
+                <a:lnTo>
+                  <a:pt x="12192000" y="6105524"/>
+                </a:lnTo>
+                <a:lnTo>
+                  <a:pt x="11435080" y="6105524"/>
+                </a:lnTo>
+                <a:lnTo>
+                  <a:pt x="11435080" y="771523"/>
+                </a:lnTo>
+                <a:lnTo>
+                  <a:pt x="767080" y="771523"/>
+                </a:lnTo>
+                <a:lnTo>
+                  <a:pt x="767080" y="6105524"/>
+                </a:lnTo>
+                <a:lnTo>
+                  <a:pt x="0" y="6105524"/>
+                </a:lnTo>
+                <a:close/>
+              </a:path>
+            </a:pathLst>
+          </a:custGeom>
           <a:gradFill flip="none" rotWithShape="1">
             <a:gsLst>
               <a:gs pos="10000">
@@ -5815,7 +6935,9 @@
           </a:fontRef>
         </p:style>
         <p:txBody>
-          <a:bodyPr rtlCol="0" anchor="ctr"/>
+          <a:bodyPr wrap="square" rtlCol="0" anchor="ctr">
+            <a:noAutofit/>
+          </a:bodyPr>
           <a:lstStyle/>
           <a:p>
             <a:pPr algn="ctr"/>
@@ -5825,10 +6947,10 @@
       </p:sp>
       <p:sp useBgFill="1">
         <p:nvSpPr>
-          <p:cNvPr id="16" name="Rectangle 11">
-            <a:extLst>
-              <a:ext uri="{FF2B5EF4-FFF2-40B4-BE49-F238E27FC236}">
-                <a16:creationId xmlns:a16="http://schemas.microsoft.com/office/drawing/2014/main" id="{2CCE2735-7843-4DC6-81F5-6366AB3EFF63}"/>
+          <p:cNvPr id="12" name="Rectangle 11">
+            <a:extLst>
+              <a:ext uri="{FF2B5EF4-FFF2-40B4-BE49-F238E27FC236}">
+                <a16:creationId xmlns:a16="http://schemas.microsoft.com/office/drawing/2014/main" id="{58BF1EC2-C9B7-66F0-0317-9B4052CA13A5}"/>
               </a:ext>
               <a:ext uri="{C183D7F6-B498-43B3-948B-1728B52AA6E4}">
                 <adec:decorative xmlns:adec="http://schemas.microsoft.com/office/drawing/2017/decorative" val="1"/>
@@ -5848,8 +6970,8 @@
         </p:nvSpPr>
         <p:spPr>
           <a:xfrm>
-            <a:off x="1071372" y="1065276"/>
-            <a:ext cx="10049256" cy="4727448"/>
+            <a:off x="0" y="0"/>
+            <a:ext cx="12192000" cy="6858000"/>
           </a:xfrm>
           <a:prstGeom prst="rect">
             <a:avLst/>
@@ -5888,7 +7010,7 @@
           <p:cNvPr id="2" name="Titolo 1">
             <a:extLst>
               <a:ext uri="{FF2B5EF4-FFF2-40B4-BE49-F238E27FC236}">
-                <a16:creationId xmlns:a16="http://schemas.microsoft.com/office/drawing/2014/main" id="{3DAAD523-A9B3-B3A2-D2CF-BEB8EB60642A}"/>
+                <a16:creationId xmlns:a16="http://schemas.microsoft.com/office/drawing/2014/main" id="{4E5ED12E-036A-7B1F-3F0B-313CD488D811}"/>
               </a:ext>
             </a:extLst>
           </p:cNvPr>
@@ -5901,103 +7023,64 @@
         </p:nvSpPr>
         <p:spPr>
           <a:xfrm>
-            <a:off x="1830324" y="1790175"/>
-            <a:ext cx="8531352" cy="1072843"/>
+            <a:off x="1186054" y="231146"/>
+            <a:ext cx="10668000" cy="835369"/>
           </a:xfrm>
         </p:spPr>
         <p:txBody>
-          <a:bodyPr>
+          <a:bodyPr vert="horz" lIns="91440" tIns="45720" rIns="91440" bIns="45720" rtlCol="0" anchor="b">
             <a:normAutofit/>
           </a:bodyPr>
           <a:lstStyle/>
           <a:p>
-            <a:r>
-              <a:rPr lang="it-IT" dirty="0" err="1"/>
-              <a:t>Conclusions</a:t>
-            </a:r>
-            <a:r>
-              <a:rPr lang="it-IT" dirty="0"/>
-              <a:t>	</a:t>
-            </a:r>
-          </a:p>
-        </p:txBody>
-      </p:sp>
-      <p:sp>
-        <p:nvSpPr>
-          <p:cNvPr id="3" name="Segnaposto contenuto 2">
-            <a:extLst>
-              <a:ext uri="{FF2B5EF4-FFF2-40B4-BE49-F238E27FC236}">
-                <a16:creationId xmlns:a16="http://schemas.microsoft.com/office/drawing/2014/main" id="{49E0574A-989C-8EAC-BED9-A958E2ED3439}"/>
-              </a:ext>
-            </a:extLst>
-          </p:cNvPr>
-          <p:cNvSpPr>
-            <a:spLocks noGrp="1"/>
-          </p:cNvSpPr>
-          <p:nvPr>
-            <p:ph idx="1"/>
-          </p:nvPr>
-        </p:nvSpPr>
+            <a:pPr algn="ctr"/>
+            <a:r>
+              <a:rPr lang="en-US" sz="4400" dirty="0"/>
+              <a:t>ACHIEVED SPEEDUP </a:t>
+            </a:r>
+          </a:p>
+        </p:txBody>
+      </p:sp>
+      <p:pic>
+        <p:nvPicPr>
+          <p:cNvPr id="4" name="Immagine 3" descr="Immagine che contiene testo, linea, diagramma, Diagramma&#10;&#10;Descrizione generata automaticamente">
+            <a:extLst>
+              <a:ext uri="{FF2B5EF4-FFF2-40B4-BE49-F238E27FC236}">
+                <a16:creationId xmlns:a16="http://schemas.microsoft.com/office/drawing/2014/main" id="{C866104C-7001-C400-B716-B69D45C321CE}"/>
+              </a:ext>
+            </a:extLst>
+          </p:cNvPr>
+          <p:cNvPicPr>
+            <a:picLocks noChangeAspect="1"/>
+          </p:cNvPicPr>
+          <p:nvPr/>
+        </p:nvPicPr>
+        <p:blipFill>
+          <a:blip r:embed="rId2">
+            <a:extLst>
+              <a:ext uri="{28A0092B-C50C-407E-A947-70E740481C1C}">
+                <a14:useLocalDpi xmlns:a14="http://schemas.microsoft.com/office/drawing/2010/main" val="0"/>
+              </a:ext>
+            </a:extLst>
+          </a:blip>
+          <a:stretch>
+            <a:fillRect/>
+          </a:stretch>
+        </p:blipFill>
         <p:spPr>
           <a:xfrm>
-            <a:off x="1830322" y="2970223"/>
-            <a:ext cx="8531353" cy="2194124"/>
+            <a:off x="1447800" y="1039204"/>
+            <a:ext cx="9296400" cy="5577840"/>
           </a:xfrm>
+          <a:prstGeom prst="rect">
+            <a:avLst/>
+          </a:prstGeom>
         </p:spPr>
-        <p:txBody>
-          <a:bodyPr>
-            <a:normAutofit/>
-          </a:bodyPr>
-          <a:lstStyle/>
-          <a:p>
-            <a:pPr marL="0" indent="0">
-              <a:buNone/>
-            </a:pPr>
-            <a:r>
-              <a:rPr lang="it-IT" dirty="0" err="1"/>
-              <a:t>Why</a:t>
-            </a:r>
-            <a:r>
-              <a:rPr lang="it-IT" dirty="0"/>
-              <a:t>?</a:t>
-            </a:r>
-          </a:p>
-          <a:p>
-            <a:r>
-              <a:rPr lang="it-IT" dirty="0" err="1"/>
-              <a:t>Parallel</a:t>
-            </a:r>
-            <a:r>
-              <a:rPr lang="it-IT" dirty="0"/>
-              <a:t> For + </a:t>
-            </a:r>
-            <a:r>
-              <a:rPr lang="it-IT" dirty="0" err="1"/>
-              <a:t>Collapse</a:t>
-            </a:r>
-            <a:endParaRPr lang="it-IT" dirty="0"/>
-          </a:p>
-          <a:p>
-            <a:r>
-              <a:rPr lang="it-IT" dirty="0"/>
-              <a:t>Task</a:t>
-            </a:r>
-          </a:p>
-          <a:p>
-            <a:r>
-              <a:rPr lang="it-IT" dirty="0"/>
-              <a:t>Accelerator Model</a:t>
-            </a:r>
-          </a:p>
-          <a:p>
-            <a:endParaRPr lang="it-IT" dirty="0"/>
-          </a:p>
-        </p:txBody>
-      </p:sp>
+      </p:pic>
     </p:spTree>
     <p:extLst>
       <p:ext uri="{BB962C8B-B14F-4D97-AF65-F5344CB8AC3E}">
-        <p14:creationId xmlns:p14="http://schemas.microsoft.com/office/powerpoint/2010/main" val="844955991"/>
+        <p14:creationId xmlns:p14="http://schemas.microsoft.com/office/powerpoint/2010/main" val="2221763690"/>
       </p:ext>
     </p:extLst>
   </p:cSld>
@@ -6209,23 +7292,6 @@
 </file>
 
 <file path=customXml/item1.xml><?xml version="1.0" encoding="utf-8"?>
-<p:properties xmlns:p="http://schemas.microsoft.com/office/2006/metadata/properties" xmlns:xsi="http://www.w3.org/2001/XMLSchema-instance" xmlns:pc="http://schemas.microsoft.com/office/infopath/2007/PartnerControls">
-  <documentManagement>
-    <_activity xmlns="46b1317a-1e67-4aca-ad36-d66afeee842a" xsi:nil="true"/>
-  </documentManagement>
-</p:properties>
-</file>
-
-<file path=customXml/item2.xml><?xml version="1.0" encoding="utf-8"?>
-<?mso-contentType ?>
-<FormTemplates xmlns="http://schemas.microsoft.com/sharepoint/v3/contenttype/forms">
-  <Display>DocumentLibraryForm</Display>
-  <Edit>DocumentLibraryForm</Edit>
-  <New>DocumentLibraryForm</New>
-</FormTemplates>
-</file>
-
-<file path=customXml/item3.xml><?xml version="1.0" encoding="utf-8"?>
 <ct:contentTypeSchema xmlns:ct="http://schemas.microsoft.com/office/2006/metadata/contentType" xmlns:ma="http://schemas.microsoft.com/office/2006/metadata/properties/metaAttributes" ct:_="" ma:_="" ma:contentTypeName="Documento" ma:contentTypeID="0x010100421E46F9317A5D47A6CA37BF0C4AC42D" ma:contentTypeVersion="11" ma:contentTypeDescription="Creare un nuovo documento." ma:contentTypeScope="" ma:versionID="0b4118545da6da77c25501cd717aa08e">
   <xsd:schema xmlns:xsd="http://www.w3.org/2001/XMLSchema" xmlns:xs="http://www.w3.org/2001/XMLSchema" xmlns:p="http://schemas.microsoft.com/office/2006/metadata/properties" xmlns:ns3="46b1317a-1e67-4aca-ad36-d66afeee842a" xmlns:ns4="64eb5e27-d1f1-443b-9612-666648a881d2" targetNamespace="http://schemas.microsoft.com/office/2006/metadata/properties" ma:root="true" ma:fieldsID="3e6af2da2afa9f8db489188648a53756" ns3:_="" ns4:_="">
     <xsd:import namespace="46b1317a-1e67-4aca-ad36-d66afeee842a"/>
@@ -6432,32 +7498,24 @@
 </ct:contentTypeSchema>
 </file>
 
-<file path=customXml/itemProps1.xml><?xml version="1.0" encoding="utf-8"?>
-<ds:datastoreItem xmlns:ds="http://schemas.openxmlformats.org/officeDocument/2006/customXml" ds:itemID="{CD19DC4E-1F59-4E2F-A54D-8183E3CEAD4B}">
-  <ds:schemaRefs>
-    <ds:schemaRef ds:uri="http://schemas.microsoft.com/office/infopath/2007/PartnerControls"/>
-    <ds:schemaRef ds:uri="http://schemas.microsoft.com/office/2006/documentManagement/types"/>
-    <ds:schemaRef ds:uri="46b1317a-1e67-4aca-ad36-d66afeee842a"/>
-    <ds:schemaRef ds:uri="http://www.w3.org/XML/1998/namespace"/>
-    <ds:schemaRef ds:uri="http://purl.org/dc/terms/"/>
-    <ds:schemaRef ds:uri="http://purl.org/dc/elements/1.1/"/>
-    <ds:schemaRef ds:uri="64eb5e27-d1f1-443b-9612-666648a881d2"/>
-    <ds:schemaRef ds:uri="http://schemas.openxmlformats.org/package/2006/metadata/core-properties"/>
-    <ds:schemaRef ds:uri="http://schemas.microsoft.com/office/2006/metadata/properties"/>
-    <ds:schemaRef ds:uri="http://purl.org/dc/dcmitype/"/>
-  </ds:schemaRefs>
-</ds:datastoreItem>
+<file path=customXml/item2.xml><?xml version="1.0" encoding="utf-8"?>
+<?mso-contentType ?>
+<FormTemplates xmlns="http://schemas.microsoft.com/sharepoint/v3/contenttype/forms">
+  <Display>DocumentLibraryForm</Display>
+  <Edit>DocumentLibraryForm</Edit>
+  <New>DocumentLibraryForm</New>
+</FormTemplates>
 </file>
 
-<file path=customXml/itemProps2.xml><?xml version="1.0" encoding="utf-8"?>
-<ds:datastoreItem xmlns:ds="http://schemas.openxmlformats.org/officeDocument/2006/customXml" ds:itemID="{54B7B845-1971-42FA-9B70-3FC7FDE04081}">
-  <ds:schemaRefs>
-    <ds:schemaRef ds:uri="http://schemas.microsoft.com/sharepoint/v3/contenttype/forms"/>
-  </ds:schemaRefs>
-</ds:datastoreItem>
+<file path=customXml/item3.xml><?xml version="1.0" encoding="utf-8"?>
+<p:properties xmlns:p="http://schemas.microsoft.com/office/2006/metadata/properties" xmlns:xsi="http://www.w3.org/2001/XMLSchema-instance" xmlns:pc="http://schemas.microsoft.com/office/infopath/2007/PartnerControls">
+  <documentManagement>
+    <_activity xmlns="46b1317a-1e67-4aca-ad36-d66afeee842a" xsi:nil="true"/>
+  </documentManagement>
+</p:properties>
 </file>
 
-<file path=customXml/itemProps3.xml><?xml version="1.0" encoding="utf-8"?>
+<file path=customXml/itemProps1.xml><?xml version="1.0" encoding="utf-8"?>
 <ds:datastoreItem xmlns:ds="http://schemas.openxmlformats.org/officeDocument/2006/customXml" ds:itemID="{C4813A51-9CE8-416E-BBB1-DB9A53A66F8F}">
   <ds:schemaRefs>
     <ds:schemaRef ds:uri="http://schemas.microsoft.com/office/2006/metadata/contentType"/>
@@ -6474,4 +7532,29 @@
     <ds:schemaRef ds:uri="http://schemas.microsoft.com/internal/obd"/>
   </ds:schemaRefs>
 </ds:datastoreItem>
+</file>
+
+<file path=customXml/itemProps2.xml><?xml version="1.0" encoding="utf-8"?>
+<ds:datastoreItem xmlns:ds="http://schemas.openxmlformats.org/officeDocument/2006/customXml" ds:itemID="{54B7B845-1971-42FA-9B70-3FC7FDE04081}">
+  <ds:schemaRefs>
+    <ds:schemaRef ds:uri="http://schemas.microsoft.com/sharepoint/v3/contenttype/forms"/>
+  </ds:schemaRefs>
+</ds:datastoreItem>
+</file>
+
+<file path=customXml/itemProps3.xml><?xml version="1.0" encoding="utf-8"?>
+<ds:datastoreItem xmlns:ds="http://schemas.openxmlformats.org/officeDocument/2006/customXml" ds:itemID="{CD19DC4E-1F59-4E2F-A54D-8183E3CEAD4B}">
+  <ds:schemaRefs>
+    <ds:schemaRef ds:uri="http://schemas.microsoft.com/office/infopath/2007/PartnerControls"/>
+    <ds:schemaRef ds:uri="http://schemas.microsoft.com/office/2006/documentManagement/types"/>
+    <ds:schemaRef ds:uri="46b1317a-1e67-4aca-ad36-d66afeee842a"/>
+    <ds:schemaRef ds:uri="http://www.w3.org/XML/1998/namespace"/>
+    <ds:schemaRef ds:uri="http://purl.org/dc/terms/"/>
+    <ds:schemaRef ds:uri="http://purl.org/dc/elements/1.1/"/>
+    <ds:schemaRef ds:uri="64eb5e27-d1f1-443b-9612-666648a881d2"/>
+    <ds:schemaRef ds:uri="http://schemas.openxmlformats.org/package/2006/metadata/core-properties"/>
+    <ds:schemaRef ds:uri="http://schemas.microsoft.com/office/2006/metadata/properties"/>
+    <ds:schemaRef ds:uri="http://purl.org/dc/dcmitype/"/>
+  </ds:schemaRefs>
+</ds:datastoreItem>
 </file>
--- a/assignment-1/ATAX Problem Optimization.pptx
+++ b/assignment-1/ATAX Problem Optimization.pptx
@@ -4771,7 +4771,7 @@
         </p:nvSpPr>
         <p:spPr>
           <a:xfrm>
-            <a:off x="762000" y="758953"/>
+            <a:off x="315065" y="121294"/>
             <a:ext cx="4089779" cy="955547"/>
           </a:xfrm>
         </p:spPr>
@@ -4810,7 +4810,7 @@
         </p:nvSpPr>
         <p:spPr>
           <a:xfrm>
-            <a:off x="118525" y="2552701"/>
+            <a:off x="315171" y="969707"/>
             <a:ext cx="5132774" cy="1534667"/>
           </a:xfrm>
         </p:spPr>
@@ -4935,7 +4935,7 @@
         </p:blipFill>
         <p:spPr>
           <a:xfrm>
-            <a:off x="5641077" y="1860543"/>
+            <a:off x="5837723" y="277549"/>
             <a:ext cx="5026924" cy="3895865"/>
           </a:xfrm>
           <a:prstGeom prst="rect">
@@ -4957,7 +4957,7 @@
         </p:nvSpPr>
         <p:spPr>
           <a:xfrm>
-            <a:off x="5505450" y="1714500"/>
+            <a:off x="5702096" y="131506"/>
             <a:ext cx="3638550" cy="838200"/>
           </a:xfrm>
           <a:prstGeom prst="rect">
@@ -5009,7 +5009,7 @@
         </p:nvSpPr>
         <p:spPr>
           <a:xfrm>
-            <a:off x="5987034" y="3886201"/>
+            <a:off x="6183680" y="2303207"/>
             <a:ext cx="4601718" cy="838200"/>
           </a:xfrm>
           <a:prstGeom prst="rect">
@@ -5061,7 +5061,7 @@
         </p:nvSpPr>
         <p:spPr>
           <a:xfrm>
-            <a:off x="5987034" y="4855543"/>
+            <a:off x="6183680" y="3272549"/>
             <a:ext cx="4601718" cy="838200"/>
           </a:xfrm>
           <a:prstGeom prst="rect">
@@ -5117,7 +5117,7 @@
         </p:nvCxnSpPr>
         <p:spPr>
           <a:xfrm rot="5400000" flipH="1" flipV="1">
-            <a:off x="3885631" y="932882"/>
+            <a:off x="4082277" y="-650112"/>
             <a:ext cx="419101" cy="2820538"/>
           </a:xfrm>
           <a:prstGeom prst="bentConnector2">
@@ -5162,11 +5162,13 @@
         </p:nvCxnSpPr>
         <p:spPr>
           <a:xfrm>
-            <a:off x="4672584" y="3310128"/>
+            <a:off x="4869230" y="1727134"/>
             <a:ext cx="1314450" cy="995173"/>
           </a:xfrm>
           <a:prstGeom prst="bentConnector3">
-            <a:avLst/>
+            <a:avLst>
+              <a:gd name="adj1" fmla="val 65708"/>
+            </a:avLst>
           </a:prstGeom>
           <a:ln w="28575">
             <a:solidFill>
@@ -5200,22 +5202,99 @@
             </a:extLst>
           </p:cNvPr>
           <p:cNvCxnSpPr>
-            <a:stCxn id="3" idx="2"/>
-            <a:endCxn id="8" idx="1"/>
+            <a:cxnSpLocks/>
           </p:cNvCxnSpPr>
           <p:nvPr/>
         </p:nvCxnSpPr>
         <p:spPr>
-          <a:xfrm rot="16200000" flipH="1">
-            <a:off x="3742336" y="3029944"/>
-            <a:ext cx="1187275" cy="3302122"/>
+          <a:xfrm>
+            <a:off x="4794516" y="2223142"/>
+            <a:ext cx="1366094" cy="1361740"/>
+          </a:xfrm>
+          <a:prstGeom prst="bentConnector3">
+            <a:avLst>
+              <a:gd name="adj1" fmla="val 50000"/>
+            </a:avLst>
+          </a:prstGeom>
+          <a:ln w="28575">
+            <a:solidFill>
+              <a:srgbClr val="00B0F0"/>
+            </a:solidFill>
+            <a:tailEnd type="triangle"/>
+          </a:ln>
+        </p:spPr>
+        <p:style>
+          <a:lnRef idx="1">
+            <a:schemeClr val="accent1"/>
+          </a:lnRef>
+          <a:fillRef idx="0">
+            <a:schemeClr val="accent1"/>
+          </a:fillRef>
+          <a:effectRef idx="0">
+            <a:schemeClr val="accent1"/>
+          </a:effectRef>
+          <a:fontRef idx="minor">
+            <a:schemeClr val="tx1"/>
+          </a:fontRef>
+        </p:style>
+      </p:cxnSp>
+      <p:pic>
+        <p:nvPicPr>
+          <p:cNvPr id="18" name="Immagine 17">
+            <a:extLst>
+              <a:ext uri="{FF2B5EF4-FFF2-40B4-BE49-F238E27FC236}">
+                <a16:creationId xmlns:a16="http://schemas.microsoft.com/office/drawing/2014/main" id="{0F4EBF6F-A3DB-18FC-4D37-E99CDFF9659F}"/>
+              </a:ext>
+            </a:extLst>
+          </p:cNvPr>
+          <p:cNvPicPr>
+            <a:picLocks noChangeAspect="1"/>
+          </p:cNvPicPr>
+          <p:nvPr/>
+        </p:nvPicPr>
+        <p:blipFill>
+          <a:blip r:embed="rId3"/>
+          <a:stretch>
+            <a:fillRect/>
+          </a:stretch>
+        </p:blipFill>
+        <p:spPr>
+          <a:xfrm>
+            <a:off x="761999" y="2811675"/>
+            <a:ext cx="4363059" cy="3639058"/>
+          </a:xfrm>
+          <a:prstGeom prst="rect">
+            <a:avLst/>
+          </a:prstGeom>
+        </p:spPr>
+      </p:pic>
+      <p:cxnSp>
+        <p:nvCxnSpPr>
+          <p:cNvPr id="32" name="Connettore a gomito 31">
+            <a:extLst>
+              <a:ext uri="{FF2B5EF4-FFF2-40B4-BE49-F238E27FC236}">
+                <a16:creationId xmlns:a16="http://schemas.microsoft.com/office/drawing/2014/main" id="{FF7EADD1-BA68-E9B8-656D-0416E90214E4}"/>
+              </a:ext>
+            </a:extLst>
+          </p:cNvPr>
+          <p:cNvCxnSpPr>
+            <a:cxnSpLocks/>
+            <a:stCxn id="5" idx="2"/>
+            <a:endCxn id="18" idx="3"/>
+          </p:cNvCxnSpPr>
+          <p:nvPr/>
+        </p:nvCxnSpPr>
+        <p:spPr>
+          <a:xfrm rot="5400000">
+            <a:off x="6509227" y="2789246"/>
+            <a:ext cx="457790" cy="3226127"/>
           </a:xfrm>
           <a:prstGeom prst="bentConnector2">
             <a:avLst/>
           </a:prstGeom>
           <a:ln w="28575">
             <a:solidFill>
-              <a:srgbClr val="00B0F0"/>
+              <a:schemeClr val="tx1"/>
             </a:solidFill>
             <a:tailEnd type="triangle"/>
           </a:ln>
@@ -7292,6 +7371,15 @@
 </file>
 
 <file path=customXml/item1.xml><?xml version="1.0" encoding="utf-8"?>
+<?mso-contentType ?>
+<FormTemplates xmlns="http://schemas.microsoft.com/sharepoint/v3/contenttype/forms">
+  <Display>DocumentLibraryForm</Display>
+  <Edit>DocumentLibraryForm</Edit>
+  <New>DocumentLibraryForm</New>
+</FormTemplates>
+</file>
+
+<file path=customXml/item2.xml><?xml version="1.0" encoding="utf-8"?>
 <ct:contentTypeSchema xmlns:ct="http://schemas.microsoft.com/office/2006/metadata/contentType" xmlns:ma="http://schemas.microsoft.com/office/2006/metadata/properties/metaAttributes" ct:_="" ma:_="" ma:contentTypeName="Documento" ma:contentTypeID="0x010100421E46F9317A5D47A6CA37BF0C4AC42D" ma:contentTypeVersion="11" ma:contentTypeDescription="Creare un nuovo documento." ma:contentTypeScope="" ma:versionID="0b4118545da6da77c25501cd717aa08e">
   <xsd:schema xmlns:xsd="http://www.w3.org/2001/XMLSchema" xmlns:xs="http://www.w3.org/2001/XMLSchema" xmlns:p="http://schemas.microsoft.com/office/2006/metadata/properties" xmlns:ns3="46b1317a-1e67-4aca-ad36-d66afeee842a" xmlns:ns4="64eb5e27-d1f1-443b-9612-666648a881d2" targetNamespace="http://schemas.microsoft.com/office/2006/metadata/properties" ma:root="true" ma:fieldsID="3e6af2da2afa9f8db489188648a53756" ns3:_="" ns4:_="">
     <xsd:import namespace="46b1317a-1e67-4aca-ad36-d66afeee842a"/>
@@ -7498,15 +7586,6 @@
 </ct:contentTypeSchema>
 </file>
 
-<file path=customXml/item2.xml><?xml version="1.0" encoding="utf-8"?>
-<?mso-contentType ?>
-<FormTemplates xmlns="http://schemas.microsoft.com/sharepoint/v3/contenttype/forms">
-  <Display>DocumentLibraryForm</Display>
-  <Edit>DocumentLibraryForm</Edit>
-  <New>DocumentLibraryForm</New>
-</FormTemplates>
-</file>
-
 <file path=customXml/item3.xml><?xml version="1.0" encoding="utf-8"?>
 <p:properties xmlns:p="http://schemas.microsoft.com/office/2006/metadata/properties" xmlns:xsi="http://www.w3.org/2001/XMLSchema-instance" xmlns:pc="http://schemas.microsoft.com/office/infopath/2007/PartnerControls">
   <documentManagement>
@@ -7516,6 +7595,14 @@
 </file>
 
 <file path=customXml/itemProps1.xml><?xml version="1.0" encoding="utf-8"?>
+<ds:datastoreItem xmlns:ds="http://schemas.openxmlformats.org/officeDocument/2006/customXml" ds:itemID="{54B7B845-1971-42FA-9B70-3FC7FDE04081}">
+  <ds:schemaRefs>
+    <ds:schemaRef ds:uri="http://schemas.microsoft.com/sharepoint/v3/contenttype/forms"/>
+  </ds:schemaRefs>
+</ds:datastoreItem>
+</file>
+
+<file path=customXml/itemProps2.xml><?xml version="1.0" encoding="utf-8"?>
 <ds:datastoreItem xmlns:ds="http://schemas.openxmlformats.org/officeDocument/2006/customXml" ds:itemID="{C4813A51-9CE8-416E-BBB1-DB9A53A66F8F}">
   <ds:schemaRefs>
     <ds:schemaRef ds:uri="http://schemas.microsoft.com/office/2006/metadata/contentType"/>
@@ -7530,14 +7617,6 @@
     <ds:schemaRef ds:uri="http://purl.org/dc/elements/1.1/"/>
     <ds:schemaRef ds:uri="http://purl.org/dc/terms/"/>
     <ds:schemaRef ds:uri="http://schemas.microsoft.com/internal/obd"/>
-  </ds:schemaRefs>
-</ds:datastoreItem>
-</file>
-
-<file path=customXml/itemProps2.xml><?xml version="1.0" encoding="utf-8"?>
-<ds:datastoreItem xmlns:ds="http://schemas.openxmlformats.org/officeDocument/2006/customXml" ds:itemID="{54B7B845-1971-42FA-9B70-3FC7FDE04081}">
-  <ds:schemaRefs>
-    <ds:schemaRef ds:uri="http://schemas.microsoft.com/sharepoint/v3/contenttype/forms"/>
   </ds:schemaRefs>
 </ds:datastoreItem>
 </file>
